--- a/SRS.pptx
+++ b/SRS.pptx
@@ -10,6 +10,27 @@
     <p:sldId id="258" r:id="rId4"/>
     <p:sldId id="259" r:id="rId5"/>
     <p:sldId id="260" r:id="rId6"/>
+    <p:sldId id="261" r:id="rId7"/>
+    <p:sldId id="262" r:id="rId8"/>
+    <p:sldId id="263" r:id="rId9"/>
+    <p:sldId id="264" r:id="rId10"/>
+    <p:sldId id="265" r:id="rId11"/>
+    <p:sldId id="266" r:id="rId12"/>
+    <p:sldId id="267" r:id="rId13"/>
+    <p:sldId id="268" r:id="rId14"/>
+    <p:sldId id="269" r:id="rId15"/>
+    <p:sldId id="270" r:id="rId16"/>
+    <p:sldId id="271" r:id="rId17"/>
+    <p:sldId id="272" r:id="rId18"/>
+    <p:sldId id="273" r:id="rId19"/>
+    <p:sldId id="274" r:id="rId20"/>
+    <p:sldId id="275" r:id="rId21"/>
+    <p:sldId id="276" r:id="rId22"/>
+    <p:sldId id="277" r:id="rId23"/>
+    <p:sldId id="278" r:id="rId24"/>
+    <p:sldId id="279" r:id="rId25"/>
+    <p:sldId id="280" r:id="rId26"/>
+    <p:sldId id="281" r:id="rId27"/>
   </p:sldIdLst>
   <p:sldSz cx="12192000" cy="6858000"/>
   <p:notesSz cx="6858000" cy="9144000"/>
@@ -4298,7 +4319,7 @@
           </a:lstStyle>
           <a:p>
             <a:r>
-              <a:rPr lang="en-US" smtClean="0"/>
+              <a:rPr lang="en-US"/>
               <a:t>Click to edit Master title style</a:t>
             </a:r>
             <a:endParaRPr lang="en-US" dirty="0"/>
@@ -4369,7 +4390,7 @@
           </a:lstStyle>
           <a:p>
             <a:r>
-              <a:rPr lang="en-US" smtClean="0"/>
+              <a:rPr lang="en-US"/>
               <a:t>Click to edit Master subtitle style</a:t>
             </a:r>
             <a:endParaRPr lang="en-US" dirty="0"/>
@@ -4398,7 +4419,7 @@
           <a:p>
             <a:fld id="{48A87A34-81AB-432B-8DAE-1953F412C126}" type="datetimeFigureOut">
               <a:rPr lang="en-US" smtClean="0"/>
-              <a:t>11-Apr-19</a:t>
+              <a:t>4/12/2019</a:t>
             </a:fld>
             <a:endParaRPr lang="en-US" dirty="0"/>
           </a:p>
@@ -4513,7 +4534,7 @@
           </a:lstStyle>
           <a:p>
             <a:r>
-              <a:rPr lang="en-US" smtClean="0"/>
+              <a:rPr lang="en-US"/>
               <a:t>Click to edit Master title style</a:t>
             </a:r>
             <a:endParaRPr lang="en-US" dirty="0"/>
@@ -4574,7 +4595,7 @@
               <a:buNone/>
             </a:pPr>
             <a:r>
-              <a:rPr lang="en-US" smtClean="0"/>
+              <a:rPr lang="en-US"/>
               <a:t>Click icon to add picture</a:t>
             </a:r>
             <a:endParaRPr lang="en-US" dirty="0"/>
@@ -4642,7 +4663,7 @@
           <a:p>
             <a:pPr lvl="0"/>
             <a:r>
-              <a:rPr lang="en-US" smtClean="0"/>
+              <a:rPr lang="en-US"/>
               <a:t>Edit Master text styles</a:t>
             </a:r>
           </a:p>
@@ -4665,7 +4686,7 @@
           <a:p>
             <a:fld id="{48A87A34-81AB-432B-8DAE-1953F412C126}" type="datetimeFigureOut">
               <a:rPr lang="en-US" smtClean="0"/>
-              <a:t>11-Apr-19</a:t>
+              <a:t>4/12/2019</a:t>
             </a:fld>
             <a:endParaRPr lang="en-US" dirty="0"/>
           </a:p>
@@ -4770,7 +4791,7 @@
           </a:lstStyle>
           <a:p>
             <a:r>
-              <a:rPr lang="en-US" smtClean="0"/>
+              <a:rPr lang="en-US"/>
               <a:t>Click to edit Master title style</a:t>
             </a:r>
             <a:endParaRPr lang="en-US" dirty="0"/>
@@ -4838,7 +4859,7 @@
           <a:p>
             <a:pPr lvl="0"/>
             <a:r>
-              <a:rPr lang="en-US" smtClean="0"/>
+              <a:rPr lang="en-US"/>
               <a:t>Edit Master text styles</a:t>
             </a:r>
           </a:p>
@@ -4861,7 +4882,7 @@
           <a:p>
             <a:fld id="{48A87A34-81AB-432B-8DAE-1953F412C126}" type="datetimeFigureOut">
               <a:rPr lang="en-US" smtClean="0"/>
-              <a:t>11-Apr-19</a:t>
+              <a:t>4/12/2019</a:t>
             </a:fld>
             <a:endParaRPr lang="en-US" dirty="0"/>
           </a:p>
@@ -4966,7 +4987,7 @@
           </a:lstStyle>
           <a:p>
             <a:r>
-              <a:rPr lang="en-US" smtClean="0"/>
+              <a:rPr lang="en-US"/>
               <a:t>Click to edit Master title style</a:t>
             </a:r>
             <a:endParaRPr lang="en-US" dirty="0"/>
@@ -5034,7 +5055,7 @@
           <a:p>
             <a:pPr lvl="0"/>
             <a:r>
-              <a:rPr lang="en-US" smtClean="0"/>
+              <a:rPr lang="en-US"/>
               <a:t>Edit Master text styles</a:t>
             </a:r>
           </a:p>
@@ -5101,7 +5122,7 @@
           <a:p>
             <a:pPr lvl="0"/>
             <a:r>
-              <a:rPr lang="en-US" smtClean="0"/>
+              <a:rPr lang="en-US"/>
               <a:t>Edit Master text styles</a:t>
             </a:r>
           </a:p>
@@ -5124,7 +5145,7 @@
           <a:p>
             <a:fld id="{48A87A34-81AB-432B-8DAE-1953F412C126}" type="datetimeFigureOut">
               <a:rPr lang="en-US" smtClean="0"/>
-              <a:t>11-Apr-19</a:t>
+              <a:t>4/12/2019</a:t>
             </a:fld>
             <a:endParaRPr lang="en-US" dirty="0"/>
           </a:p>
@@ -5467,7 +5488,7 @@
           </a:lstStyle>
           <a:p>
             <a:r>
-              <a:rPr lang="en-US" smtClean="0"/>
+              <a:rPr lang="en-US"/>
               <a:t>Click to edit Master title style</a:t>
             </a:r>
             <a:endParaRPr lang="en-US" dirty="0"/>
@@ -5535,7 +5556,7 @@
           <a:p>
             <a:pPr lvl="0"/>
             <a:r>
-              <a:rPr lang="en-US" smtClean="0"/>
+              <a:rPr lang="en-US"/>
               <a:t>Edit Master text styles</a:t>
             </a:r>
           </a:p>
@@ -5558,7 +5579,7 @@
           <a:p>
             <a:fld id="{48A87A34-81AB-432B-8DAE-1953F412C126}" type="datetimeFigureOut">
               <a:rPr lang="en-US" smtClean="0"/>
-              <a:t>11-Apr-19</a:t>
+              <a:t>4/12/2019</a:t>
             </a:fld>
             <a:endParaRPr lang="en-US" dirty="0"/>
           </a:p>
@@ -5657,7 +5678,7 @@
           <a:lstStyle/>
           <a:p>
             <a:r>
-              <a:rPr lang="en-US" smtClean="0"/>
+              <a:rPr lang="en-US"/>
               <a:t>Click to edit Master title style</a:t>
             </a:r>
             <a:endParaRPr lang="en-US" dirty="0"/>
@@ -5732,7 +5753,7 @@
           <a:p>
             <a:pPr lvl="0"/>
             <a:r>
-              <a:rPr lang="en-US" smtClean="0"/>
+              <a:rPr lang="en-US"/>
               <a:t>Edit Master text styles</a:t>
             </a:r>
           </a:p>
@@ -5799,7 +5820,7 @@
           <a:p>
             <a:pPr lvl="0"/>
             <a:r>
-              <a:rPr lang="en-US" smtClean="0"/>
+              <a:rPr lang="en-US"/>
               <a:t>Edit Master text styles</a:t>
             </a:r>
           </a:p>
@@ -5873,7 +5894,7 @@
           <a:p>
             <a:pPr lvl="0"/>
             <a:r>
-              <a:rPr lang="en-US" smtClean="0"/>
+              <a:rPr lang="en-US"/>
               <a:t>Edit Master text styles</a:t>
             </a:r>
           </a:p>
@@ -5940,7 +5961,7 @@
           <a:p>
             <a:pPr lvl="0"/>
             <a:r>
-              <a:rPr lang="en-US" smtClean="0"/>
+              <a:rPr lang="en-US"/>
               <a:t>Edit Master text styles</a:t>
             </a:r>
           </a:p>
@@ -6014,7 +6035,7 @@
           <a:p>
             <a:pPr lvl="0"/>
             <a:r>
-              <a:rPr lang="en-US" smtClean="0"/>
+              <a:rPr lang="en-US"/>
               <a:t>Edit Master text styles</a:t>
             </a:r>
           </a:p>
@@ -6081,7 +6102,7 @@
           <a:p>
             <a:pPr lvl="0"/>
             <a:r>
-              <a:rPr lang="en-US" smtClean="0"/>
+              <a:rPr lang="en-US"/>
               <a:t>Edit Master text styles</a:t>
             </a:r>
           </a:p>
@@ -6104,7 +6125,7 @@
           <a:p>
             <a:fld id="{48A87A34-81AB-432B-8DAE-1953F412C126}" type="datetimeFigureOut">
               <a:rPr lang="en-US" smtClean="0"/>
-              <a:t>11-Apr-19</a:t>
+              <a:t>4/12/2019</a:t>
             </a:fld>
             <a:endParaRPr lang="en-US" dirty="0"/>
           </a:p>
@@ -6203,7 +6224,7 @@
           <a:lstStyle/>
           <a:p>
             <a:r>
-              <a:rPr lang="en-US" smtClean="0"/>
+              <a:rPr lang="en-US"/>
               <a:t>Click to edit Master title style</a:t>
             </a:r>
             <a:endParaRPr lang="en-US" dirty="0"/>
@@ -6278,7 +6299,7 @@
           <a:p>
             <a:pPr lvl="0"/>
             <a:r>
-              <a:rPr lang="en-US" smtClean="0"/>
+              <a:rPr lang="en-US"/>
               <a:t>Edit Master text styles</a:t>
             </a:r>
           </a:p>
@@ -6335,7 +6356,7 @@
               <a:buNone/>
             </a:pPr>
             <a:r>
-              <a:rPr lang="en-US" smtClean="0"/>
+              <a:rPr lang="en-US"/>
               <a:t>Click icon to add picture</a:t>
             </a:r>
             <a:endParaRPr lang="en-US" dirty="0"/>
@@ -6403,7 +6424,7 @@
           <a:p>
             <a:pPr lvl="0"/>
             <a:r>
-              <a:rPr lang="en-US" smtClean="0"/>
+              <a:rPr lang="en-US"/>
               <a:t>Edit Master text styles</a:t>
             </a:r>
           </a:p>
@@ -6477,7 +6498,7 @@
           <a:p>
             <a:pPr lvl="0"/>
             <a:r>
-              <a:rPr lang="en-US" smtClean="0"/>
+              <a:rPr lang="en-US"/>
               <a:t>Edit Master text styles</a:t>
             </a:r>
           </a:p>
@@ -6534,7 +6555,7 @@
               <a:buNone/>
             </a:pPr>
             <a:r>
-              <a:rPr lang="en-US" smtClean="0"/>
+              <a:rPr lang="en-US"/>
               <a:t>Click icon to add picture</a:t>
             </a:r>
             <a:endParaRPr lang="en-US" dirty="0"/>
@@ -6602,7 +6623,7 @@
           <a:p>
             <a:pPr lvl="0"/>
             <a:r>
-              <a:rPr lang="en-US" smtClean="0"/>
+              <a:rPr lang="en-US"/>
               <a:t>Edit Master text styles</a:t>
             </a:r>
           </a:p>
@@ -6676,7 +6697,7 @@
           <a:p>
             <a:pPr lvl="0"/>
             <a:r>
-              <a:rPr lang="en-US" smtClean="0"/>
+              <a:rPr lang="en-US"/>
               <a:t>Edit Master text styles</a:t>
             </a:r>
           </a:p>
@@ -6733,7 +6754,7 @@
               <a:buNone/>
             </a:pPr>
             <a:r>
-              <a:rPr lang="en-US" smtClean="0"/>
+              <a:rPr lang="en-US"/>
               <a:t>Click icon to add picture</a:t>
             </a:r>
             <a:endParaRPr lang="en-US" dirty="0"/>
@@ -6801,7 +6822,7 @@
           <a:p>
             <a:pPr lvl="0"/>
             <a:r>
-              <a:rPr lang="en-US" smtClean="0"/>
+              <a:rPr lang="en-US"/>
               <a:t>Edit Master text styles</a:t>
             </a:r>
           </a:p>
@@ -6824,7 +6845,7 @@
           <a:p>
             <a:fld id="{48A87A34-81AB-432B-8DAE-1953F412C126}" type="datetimeFigureOut">
               <a:rPr lang="en-US" smtClean="0"/>
-              <a:t>11-Apr-19</a:t>
+              <a:t>4/12/2019</a:t>
             </a:fld>
             <a:endParaRPr lang="en-US" dirty="0"/>
           </a:p>
@@ -6918,7 +6939,7 @@
           <a:lstStyle/>
           <a:p>
             <a:r>
-              <a:rPr lang="en-US" smtClean="0"/>
+              <a:rPr lang="en-US"/>
               <a:t>Click to edit Master title style</a:t>
             </a:r>
             <a:endParaRPr lang="en-US" dirty="0"/>
@@ -6942,35 +6963,35 @@
           <a:p>
             <a:pPr lvl="0"/>
             <a:r>
-              <a:rPr lang="en-US" smtClean="0"/>
+              <a:rPr lang="en-US"/>
               <a:t>Edit Master text styles</a:t>
             </a:r>
           </a:p>
           <a:p>
             <a:pPr lvl="1"/>
             <a:r>
-              <a:rPr lang="en-US" smtClean="0"/>
+              <a:rPr lang="en-US"/>
               <a:t>Second level</a:t>
             </a:r>
           </a:p>
           <a:p>
             <a:pPr lvl="2"/>
             <a:r>
-              <a:rPr lang="en-US" smtClean="0"/>
+              <a:rPr lang="en-US"/>
               <a:t>Third level</a:t>
             </a:r>
           </a:p>
           <a:p>
             <a:pPr lvl="3"/>
             <a:r>
-              <a:rPr lang="en-US" smtClean="0"/>
+              <a:rPr lang="en-US"/>
               <a:t>Fourth level</a:t>
             </a:r>
           </a:p>
           <a:p>
             <a:pPr lvl="4"/>
             <a:r>
-              <a:rPr lang="en-US" smtClean="0"/>
+              <a:rPr lang="en-US"/>
               <a:t>Fifth level</a:t>
             </a:r>
             <a:endParaRPr lang="en-US" dirty="0"/>
@@ -6994,7 +7015,7 @@
           <a:p>
             <a:fld id="{48A87A34-81AB-432B-8DAE-1953F412C126}" type="datetimeFigureOut">
               <a:rPr lang="en-US" smtClean="0"/>
-              <a:t>11-Apr-19</a:t>
+              <a:t>4/12/2019</a:t>
             </a:fld>
             <a:endParaRPr lang="en-US" dirty="0"/>
           </a:p>
@@ -7093,7 +7114,7 @@
           <a:lstStyle/>
           <a:p>
             <a:r>
-              <a:rPr lang="en-US" smtClean="0"/>
+              <a:rPr lang="en-US"/>
               <a:t>Click to edit Master title style</a:t>
             </a:r>
             <a:endParaRPr lang="en-US" dirty="0"/>
@@ -7122,35 +7143,35 @@
           <a:p>
             <a:pPr lvl="0"/>
             <a:r>
-              <a:rPr lang="en-US" smtClean="0"/>
+              <a:rPr lang="en-US"/>
               <a:t>Edit Master text styles</a:t>
             </a:r>
           </a:p>
           <a:p>
             <a:pPr lvl="1"/>
             <a:r>
-              <a:rPr lang="en-US" smtClean="0"/>
+              <a:rPr lang="en-US"/>
               <a:t>Second level</a:t>
             </a:r>
           </a:p>
           <a:p>
             <a:pPr lvl="2"/>
             <a:r>
-              <a:rPr lang="en-US" smtClean="0"/>
+              <a:rPr lang="en-US"/>
               <a:t>Third level</a:t>
             </a:r>
           </a:p>
           <a:p>
             <a:pPr lvl="3"/>
             <a:r>
-              <a:rPr lang="en-US" smtClean="0"/>
+              <a:rPr lang="en-US"/>
               <a:t>Fourth level</a:t>
             </a:r>
           </a:p>
           <a:p>
             <a:pPr lvl="4"/>
             <a:r>
-              <a:rPr lang="en-US" smtClean="0"/>
+              <a:rPr lang="en-US"/>
               <a:t>Fifth level</a:t>
             </a:r>
             <a:endParaRPr lang="en-US" dirty="0"/>
@@ -7174,7 +7195,7 @@
           <a:p>
             <a:fld id="{48A87A34-81AB-432B-8DAE-1953F412C126}" type="datetimeFigureOut">
               <a:rPr lang="en-US" smtClean="0"/>
-              <a:t>11-Apr-19</a:t>
+              <a:t>4/12/2019</a:t>
             </a:fld>
             <a:endParaRPr lang="en-US" dirty="0"/>
           </a:p>
@@ -7268,7 +7289,7 @@
           <a:lstStyle/>
           <a:p>
             <a:r>
-              <a:rPr lang="en-US" smtClean="0"/>
+              <a:rPr lang="en-US"/>
               <a:t>Click to edit Master title style</a:t>
             </a:r>
             <a:endParaRPr lang="en-US" dirty="0"/>
@@ -7292,35 +7313,35 @@
           <a:p>
             <a:pPr lvl="0"/>
             <a:r>
-              <a:rPr lang="en-US" smtClean="0"/>
+              <a:rPr lang="en-US"/>
               <a:t>Edit Master text styles</a:t>
             </a:r>
           </a:p>
           <a:p>
             <a:pPr lvl="1"/>
             <a:r>
-              <a:rPr lang="en-US" smtClean="0"/>
+              <a:rPr lang="en-US"/>
               <a:t>Second level</a:t>
             </a:r>
           </a:p>
           <a:p>
             <a:pPr lvl="2"/>
             <a:r>
-              <a:rPr lang="en-US" smtClean="0"/>
+              <a:rPr lang="en-US"/>
               <a:t>Third level</a:t>
             </a:r>
           </a:p>
           <a:p>
             <a:pPr lvl="3"/>
             <a:r>
-              <a:rPr lang="en-US" smtClean="0"/>
+              <a:rPr lang="en-US"/>
               <a:t>Fourth level</a:t>
             </a:r>
           </a:p>
           <a:p>
             <a:pPr lvl="4"/>
             <a:r>
-              <a:rPr lang="en-US" smtClean="0"/>
+              <a:rPr lang="en-US"/>
               <a:t>Fifth level</a:t>
             </a:r>
             <a:endParaRPr lang="en-US" dirty="0"/>
@@ -7344,7 +7365,7 @@
           <a:p>
             <a:fld id="{48A87A34-81AB-432B-8DAE-1953F412C126}" type="datetimeFigureOut">
               <a:rPr lang="en-US" smtClean="0"/>
-              <a:t>11-Apr-19</a:t>
+              <a:t>4/12/2019</a:t>
             </a:fld>
             <a:endParaRPr lang="en-US" dirty="0"/>
           </a:p>
@@ -7449,7 +7470,7 @@
           </a:lstStyle>
           <a:p>
             <a:r>
-              <a:rPr lang="en-US" smtClean="0"/>
+              <a:rPr lang="en-US"/>
               <a:t>Click to edit Master title style</a:t>
             </a:r>
             <a:endParaRPr lang="en-US" dirty="0"/>
@@ -7571,7 +7592,7 @@
           <a:p>
             <a:pPr lvl="0"/>
             <a:r>
-              <a:rPr lang="en-US" smtClean="0"/>
+              <a:rPr lang="en-US"/>
               <a:t>Edit Master text styles</a:t>
             </a:r>
           </a:p>
@@ -7594,7 +7615,7 @@
           <a:p>
             <a:fld id="{48A87A34-81AB-432B-8DAE-1953F412C126}" type="datetimeFigureOut">
               <a:rPr lang="en-US" smtClean="0"/>
-              <a:t>11-Apr-19</a:t>
+              <a:t>4/12/2019</a:t>
             </a:fld>
             <a:endParaRPr lang="en-US" dirty="0"/>
           </a:p>
@@ -7688,7 +7709,7 @@
           <a:lstStyle/>
           <a:p>
             <a:r>
-              <a:rPr lang="en-US" smtClean="0"/>
+              <a:rPr lang="en-US"/>
               <a:t>Click to edit Master title style</a:t>
             </a:r>
             <a:endParaRPr lang="en-US" dirty="0"/>
@@ -7717,35 +7738,35 @@
           <a:p>
             <a:pPr lvl="0"/>
             <a:r>
-              <a:rPr lang="en-US" smtClean="0"/>
+              <a:rPr lang="en-US"/>
               <a:t>Edit Master text styles</a:t>
             </a:r>
           </a:p>
           <a:p>
             <a:pPr lvl="1"/>
             <a:r>
-              <a:rPr lang="en-US" smtClean="0"/>
+              <a:rPr lang="en-US"/>
               <a:t>Second level</a:t>
             </a:r>
           </a:p>
           <a:p>
             <a:pPr lvl="2"/>
             <a:r>
-              <a:rPr lang="en-US" smtClean="0"/>
+              <a:rPr lang="en-US"/>
               <a:t>Third level</a:t>
             </a:r>
           </a:p>
           <a:p>
             <a:pPr lvl="3"/>
             <a:r>
-              <a:rPr lang="en-US" smtClean="0"/>
+              <a:rPr lang="en-US"/>
               <a:t>Fourth level</a:t>
             </a:r>
           </a:p>
           <a:p>
             <a:pPr lvl="4"/>
             <a:r>
-              <a:rPr lang="en-US" smtClean="0"/>
+              <a:rPr lang="en-US"/>
               <a:t>Fifth level</a:t>
             </a:r>
             <a:endParaRPr lang="en-US" dirty="0"/>
@@ -7774,35 +7795,35 @@
           <a:p>
             <a:pPr lvl="0"/>
             <a:r>
-              <a:rPr lang="en-US" smtClean="0"/>
+              <a:rPr lang="en-US"/>
               <a:t>Edit Master text styles</a:t>
             </a:r>
           </a:p>
           <a:p>
             <a:pPr lvl="1"/>
             <a:r>
-              <a:rPr lang="en-US" smtClean="0"/>
+              <a:rPr lang="en-US"/>
               <a:t>Second level</a:t>
             </a:r>
           </a:p>
           <a:p>
             <a:pPr lvl="2"/>
             <a:r>
-              <a:rPr lang="en-US" smtClean="0"/>
+              <a:rPr lang="en-US"/>
               <a:t>Third level</a:t>
             </a:r>
           </a:p>
           <a:p>
             <a:pPr lvl="3"/>
             <a:r>
-              <a:rPr lang="en-US" smtClean="0"/>
+              <a:rPr lang="en-US"/>
               <a:t>Fourth level</a:t>
             </a:r>
           </a:p>
           <a:p>
             <a:pPr lvl="4"/>
             <a:r>
-              <a:rPr lang="en-US" smtClean="0"/>
+              <a:rPr lang="en-US"/>
               <a:t>Fifth level</a:t>
             </a:r>
             <a:endParaRPr lang="en-US" dirty="0"/>
@@ -7826,7 +7847,7 @@
           <a:p>
             <a:fld id="{48A87A34-81AB-432B-8DAE-1953F412C126}" type="datetimeFigureOut">
               <a:rPr lang="en-US" smtClean="0"/>
-              <a:t>11-Apr-19</a:t>
+              <a:t>4/12/2019</a:t>
             </a:fld>
             <a:endParaRPr lang="en-US" dirty="0"/>
           </a:p>
@@ -7925,7 +7946,7 @@
           <a:lstStyle/>
           <a:p>
             <a:r>
-              <a:rPr lang="en-US" smtClean="0"/>
+              <a:rPr lang="en-US"/>
               <a:t>Click to edit Master title style</a:t>
             </a:r>
             <a:endParaRPr lang="en-US" dirty="0"/>
@@ -7998,7 +8019,7 @@
           <a:p>
             <a:pPr lvl="0"/>
             <a:r>
-              <a:rPr lang="en-US" smtClean="0"/>
+              <a:rPr lang="en-US"/>
               <a:t>Edit Master text styles</a:t>
             </a:r>
           </a:p>
@@ -8026,35 +8047,35 @@
           <a:p>
             <a:pPr lvl="0"/>
             <a:r>
-              <a:rPr lang="en-US" smtClean="0"/>
+              <a:rPr lang="en-US"/>
               <a:t>Edit Master text styles</a:t>
             </a:r>
           </a:p>
           <a:p>
             <a:pPr lvl="1"/>
             <a:r>
-              <a:rPr lang="en-US" smtClean="0"/>
+              <a:rPr lang="en-US"/>
               <a:t>Second level</a:t>
             </a:r>
           </a:p>
           <a:p>
             <a:pPr lvl="2"/>
             <a:r>
-              <a:rPr lang="en-US" smtClean="0"/>
+              <a:rPr lang="en-US"/>
               <a:t>Third level</a:t>
             </a:r>
           </a:p>
           <a:p>
             <a:pPr lvl="3"/>
             <a:r>
-              <a:rPr lang="en-US" smtClean="0"/>
+              <a:rPr lang="en-US"/>
               <a:t>Fourth level</a:t>
             </a:r>
           </a:p>
           <a:p>
             <a:pPr lvl="4"/>
             <a:r>
-              <a:rPr lang="en-US" smtClean="0"/>
+              <a:rPr lang="en-US"/>
               <a:t>Fifth level</a:t>
             </a:r>
             <a:endParaRPr lang="en-US" dirty="0"/>
@@ -8127,7 +8148,7 @@
           <a:p>
             <a:pPr lvl="0"/>
             <a:r>
-              <a:rPr lang="en-US" smtClean="0"/>
+              <a:rPr lang="en-US"/>
               <a:t>Edit Master text styles</a:t>
             </a:r>
           </a:p>
@@ -8155,35 +8176,35 @@
           <a:p>
             <a:pPr lvl="0"/>
             <a:r>
-              <a:rPr lang="en-US" smtClean="0"/>
+              <a:rPr lang="en-US"/>
               <a:t>Edit Master text styles</a:t>
             </a:r>
           </a:p>
           <a:p>
             <a:pPr lvl="1"/>
             <a:r>
-              <a:rPr lang="en-US" smtClean="0"/>
+              <a:rPr lang="en-US"/>
               <a:t>Second level</a:t>
             </a:r>
           </a:p>
           <a:p>
             <a:pPr lvl="2"/>
             <a:r>
-              <a:rPr lang="en-US" smtClean="0"/>
+              <a:rPr lang="en-US"/>
               <a:t>Third level</a:t>
             </a:r>
           </a:p>
           <a:p>
             <a:pPr lvl="3"/>
             <a:r>
-              <a:rPr lang="en-US" smtClean="0"/>
+              <a:rPr lang="en-US"/>
               <a:t>Fourth level</a:t>
             </a:r>
           </a:p>
           <a:p>
             <a:pPr lvl="4"/>
             <a:r>
-              <a:rPr lang="en-US" smtClean="0"/>
+              <a:rPr lang="en-US"/>
               <a:t>Fifth level</a:t>
             </a:r>
             <a:endParaRPr lang="en-US" dirty="0"/>
@@ -8207,7 +8228,7 @@
           <a:p>
             <a:fld id="{48A87A34-81AB-432B-8DAE-1953F412C126}" type="datetimeFigureOut">
               <a:rPr lang="en-US" smtClean="0"/>
-              <a:t>11-Apr-19</a:t>
+              <a:t>4/12/2019</a:t>
             </a:fld>
             <a:endParaRPr lang="en-US" dirty="0"/>
           </a:p>
@@ -8301,7 +8322,7 @@
           <a:lstStyle/>
           <a:p>
             <a:r>
-              <a:rPr lang="en-US" smtClean="0"/>
+              <a:rPr lang="en-US"/>
               <a:t>Click to edit Master title style</a:t>
             </a:r>
             <a:endParaRPr lang="en-US" dirty="0"/>
@@ -8325,7 +8346,7 @@
           <a:p>
             <a:fld id="{48A87A34-81AB-432B-8DAE-1953F412C126}" type="datetimeFigureOut">
               <a:rPr lang="en-US" smtClean="0"/>
-              <a:t>11-Apr-19</a:t>
+              <a:t>4/12/2019</a:t>
             </a:fld>
             <a:endParaRPr lang="en-US" dirty="0"/>
           </a:p>
@@ -8420,7 +8441,7 @@
           <a:p>
             <a:fld id="{48A87A34-81AB-432B-8DAE-1953F412C126}" type="datetimeFigureOut">
               <a:rPr lang="en-US" smtClean="0"/>
-              <a:t>11-Apr-19</a:t>
+              <a:t>4/12/2019</a:t>
             </a:fld>
             <a:endParaRPr lang="en-US" dirty="0"/>
           </a:p>
@@ -8523,7 +8544,7 @@
           </a:lstStyle>
           <a:p>
             <a:r>
-              <a:rPr lang="en-US" smtClean="0"/>
+              <a:rPr lang="en-US"/>
               <a:t>Click to edit Master title style</a:t>
             </a:r>
             <a:endParaRPr lang="en-US" dirty="0"/>
@@ -8552,35 +8573,35 @@
           <a:p>
             <a:pPr lvl="0"/>
             <a:r>
-              <a:rPr lang="en-US" smtClean="0"/>
+              <a:rPr lang="en-US"/>
               <a:t>Edit Master text styles</a:t>
             </a:r>
           </a:p>
           <a:p>
             <a:pPr lvl="1"/>
             <a:r>
-              <a:rPr lang="en-US" smtClean="0"/>
+              <a:rPr lang="en-US"/>
               <a:t>Second level</a:t>
             </a:r>
           </a:p>
           <a:p>
             <a:pPr lvl="2"/>
             <a:r>
-              <a:rPr lang="en-US" smtClean="0"/>
+              <a:rPr lang="en-US"/>
               <a:t>Third level</a:t>
             </a:r>
           </a:p>
           <a:p>
             <a:pPr lvl="3"/>
             <a:r>
-              <a:rPr lang="en-US" smtClean="0"/>
+              <a:rPr lang="en-US"/>
               <a:t>Fourth level</a:t>
             </a:r>
           </a:p>
           <a:p>
             <a:pPr lvl="4"/>
             <a:r>
-              <a:rPr lang="en-US" smtClean="0"/>
+              <a:rPr lang="en-US"/>
               <a:t>Fifth level</a:t>
             </a:r>
             <a:endParaRPr lang="en-US" dirty="0"/>
@@ -8646,7 +8667,7 @@
           <a:p>
             <a:pPr lvl="0"/>
             <a:r>
-              <a:rPr lang="en-US" smtClean="0"/>
+              <a:rPr lang="en-US"/>
               <a:t>Edit Master text styles</a:t>
             </a:r>
           </a:p>
@@ -8669,7 +8690,7 @@
           <a:p>
             <a:fld id="{48A87A34-81AB-432B-8DAE-1953F412C126}" type="datetimeFigureOut">
               <a:rPr lang="en-US" smtClean="0"/>
-              <a:t>11-Apr-19</a:t>
+              <a:t>4/12/2019</a:t>
             </a:fld>
             <a:endParaRPr lang="en-US" dirty="0"/>
           </a:p>
@@ -8772,7 +8793,7 @@
           </a:lstStyle>
           <a:p>
             <a:r>
-              <a:rPr lang="en-US" smtClean="0"/>
+              <a:rPr lang="en-US"/>
               <a:t>Click to edit Master title style</a:t>
             </a:r>
             <a:endParaRPr lang="en-US" dirty="0"/>
@@ -8860,7 +8881,7 @@
           </a:lstStyle>
           <a:p>
             <a:r>
-              <a:rPr lang="en-US" smtClean="0"/>
+              <a:rPr lang="en-US"/>
               <a:t>Click icon to add picture</a:t>
             </a:r>
             <a:endParaRPr lang="en-US" dirty="0"/>
@@ -8926,7 +8947,7 @@
           <a:p>
             <a:pPr lvl="0"/>
             <a:r>
-              <a:rPr lang="en-US" smtClean="0"/>
+              <a:rPr lang="en-US"/>
               <a:t>Edit Master text styles</a:t>
             </a:r>
           </a:p>
@@ -8949,7 +8970,7 @@
           <a:p>
             <a:fld id="{48A87A34-81AB-432B-8DAE-1953F412C126}" type="datetimeFigureOut">
               <a:rPr lang="en-US" smtClean="0"/>
-              <a:t>11-Apr-19</a:t>
+              <a:t>4/12/2019</a:t>
             </a:fld>
             <a:endParaRPr lang="en-US" dirty="0"/>
           </a:p>
@@ -12017,7 +12038,7 @@
             <a:fld id="{48A87A34-81AB-432B-8DAE-1953F412C126}" type="datetimeFigureOut">
               <a:rPr lang="en-US" smtClean="0"/>
               <a:pPr/>
-              <a:t>11-Apr-19</a:t>
+              <a:t>4/12/2019</a:t>
             </a:fld>
             <a:endParaRPr lang="en-US" dirty="0"/>
           </a:p>
@@ -12468,7 +12489,7 @@
           <a:p>
             <a:pPr algn="ctr"/>
             <a:r>
-              <a:rPr lang="en-US" sz="5000" cap="none" dirty="0" smtClean="0">
+              <a:rPr lang="en-US" sz="5000" cap="none" dirty="0">
                 <a:latin typeface="Times New Roman" panose="02020603050405020304" pitchFamily="18" charset="0"/>
                 <a:ea typeface="Tahoma" panose="020B0604030504040204" pitchFamily="34" charset="0"/>
                 <a:cs typeface="Times New Roman" panose="02020603050405020304" pitchFamily="18" charset="0"/>
@@ -12476,7 +12497,7 @@
               <a:t>Prepared By</a:t>
             </a:r>
             <a:r>
-              <a:rPr lang="en-US" sz="5000" dirty="0" smtClean="0">
+              <a:rPr lang="en-US" sz="5000" dirty="0">
                 <a:latin typeface="Times New Roman" panose="02020603050405020304" pitchFamily="18" charset="0"/>
                 <a:ea typeface="Tahoma" panose="020B0604030504040204" pitchFamily="34" charset="0"/>
                 <a:cs typeface="Times New Roman" panose="02020603050405020304" pitchFamily="18" charset="0"/>
@@ -12501,7 +12522,7 @@
           <a:p>
             <a:pPr algn="ctr"/>
             <a:r>
-              <a:rPr lang="en-US" b="1" dirty="0" smtClean="0">
+              <a:rPr lang="en-US" b="1" dirty="0">
                 <a:solidFill>
                   <a:schemeClr val="bg1"/>
                 </a:solidFill>
@@ -12511,14 +12532,6 @@
               </a:rPr>
               <a:t>ID: 1246913</a:t>
             </a:r>
-            <a:endParaRPr lang="en-US" b="1" dirty="0">
-              <a:solidFill>
-                <a:schemeClr val="bg1"/>
-              </a:solidFill>
-              <a:latin typeface="Times New Roman" panose="02020603050405020304" pitchFamily="18" charset="0"/>
-              <a:ea typeface="Tahoma" panose="020B0604030504040204" pitchFamily="34" charset="0"/>
-              <a:cs typeface="Times New Roman" panose="02020603050405020304" pitchFamily="18" charset="0"/>
-            </a:endParaRPr>
           </a:p>
           <a:p>
             <a:pPr algn="ctr"/>
@@ -12542,8 +12555,8 @@
         </p:nvSpPr>
         <p:spPr>
           <a:xfrm>
-            <a:off x="2464252" y="221025"/>
-            <a:ext cx="9305382" cy="784815"/>
+            <a:off x="2305878" y="221025"/>
+            <a:ext cx="9223513" cy="784815"/>
           </a:xfrm>
         </p:spPr>
         <p:txBody>
@@ -12553,7 +12566,7 @@
           <a:lstStyle/>
           <a:p>
             <a:r>
-              <a:rPr lang="en-US" sz="4500" b="1" u="sng" cap="none" dirty="0" smtClean="0">
+              <a:rPr lang="en-US" sz="4500" b="1" u="sng" cap="none" dirty="0">
                 <a:solidFill>
                   <a:schemeClr val="bg1"/>
                 </a:solidFill>
@@ -12562,13 +12575,6 @@
               </a:rPr>
               <a:t>Software Requirements Specification</a:t>
             </a:r>
-            <a:endParaRPr lang="en-US" sz="4500" b="1" u="sng" cap="none" dirty="0">
-              <a:solidFill>
-                <a:schemeClr val="bg1"/>
-              </a:solidFill>
-              <a:latin typeface="Times New Roman" panose="02020603050405020304" pitchFamily="18" charset="0"/>
-              <a:cs typeface="Times New Roman" panose="02020603050405020304" pitchFamily="18" charset="0"/>
-            </a:endParaRPr>
           </a:p>
         </p:txBody>
       </p:sp>
@@ -12614,16 +12620,12 @@
           </a:lstStyle>
           <a:p>
             <a:r>
-              <a:rPr lang="en-US" sz="5000" b="1" cap="none" dirty="0" smtClean="0">
+              <a:rPr lang="en-US" sz="5000" b="1" cap="none" dirty="0">
                 <a:latin typeface="Times New Roman" panose="02020603050405020304" pitchFamily="18" charset="0"/>
                 <a:cs typeface="Times New Roman" panose="02020603050405020304" pitchFamily="18" charset="0"/>
               </a:rPr>
               <a:t>Project on Tailor Shop Management</a:t>
             </a:r>
-            <a:endParaRPr lang="en-US" sz="5000" b="1" cap="none" dirty="0">
-              <a:latin typeface="Times New Roman" panose="02020603050405020304" pitchFamily="18" charset="0"/>
-              <a:cs typeface="Times New Roman" panose="02020603050405020304" pitchFamily="18" charset="0"/>
-            </a:endParaRPr>
           </a:p>
         </p:txBody>
       </p:sp>
@@ -12830,7 +12832,7 @@
           <a:p>
             <a:pPr algn="ctr"/>
             <a:r>
-              <a:rPr lang="en-US" sz="5000" cap="none" dirty="0" smtClean="0">
+              <a:rPr lang="en-US" sz="5000" cap="none" dirty="0">
                 <a:latin typeface="Times New Roman" panose="02020603050405020304" pitchFamily="18" charset="0"/>
                 <a:ea typeface="Tahoma" panose="020B0604030504040204" pitchFamily="34" charset="0"/>
                 <a:cs typeface="Times New Roman" panose="02020603050405020304" pitchFamily="18" charset="0"/>
@@ -12838,7 +12840,7 @@
               <a:t>Supervised By</a:t>
             </a:r>
             <a:r>
-              <a:rPr lang="en-US" sz="5000" dirty="0" smtClean="0">
+              <a:rPr lang="en-US" sz="5000" dirty="0">
                 <a:latin typeface="Times New Roman" panose="02020603050405020304" pitchFamily="18" charset="0"/>
                 <a:ea typeface="Tahoma" panose="020B0604030504040204" pitchFamily="34" charset="0"/>
                 <a:cs typeface="Times New Roman" panose="02020603050405020304" pitchFamily="18" charset="0"/>
@@ -12857,29 +12859,7 @@
                 <a:ea typeface="Tahoma" panose="020B0604030504040204" pitchFamily="34" charset="0"/>
                 <a:cs typeface="Times New Roman" panose="02020603050405020304" pitchFamily="18" charset="0"/>
               </a:rPr>
-              <a:t>Md. </a:t>
-            </a:r>
-            <a:r>
-              <a:rPr lang="en-US" sz="2400" b="1" cap="none" dirty="0" err="1">
-                <a:solidFill>
-                  <a:schemeClr val="bg1"/>
-                </a:solidFill>
-                <a:latin typeface="Times New Roman" panose="02020603050405020304" pitchFamily="18" charset="0"/>
-                <a:ea typeface="Tahoma" panose="020B0604030504040204" pitchFamily="34" charset="0"/>
-                <a:cs typeface="Times New Roman" panose="02020603050405020304" pitchFamily="18" charset="0"/>
-              </a:rPr>
-              <a:t>Rajaul</a:t>
-            </a:r>
-            <a:r>
-              <a:rPr lang="en-US" sz="2400" b="1" cap="none" dirty="0">
-                <a:solidFill>
-                  <a:schemeClr val="bg1"/>
-                </a:solidFill>
-                <a:latin typeface="Times New Roman" panose="02020603050405020304" pitchFamily="18" charset="0"/>
-                <a:ea typeface="Tahoma" panose="020B0604030504040204" pitchFamily="34" charset="0"/>
-                <a:cs typeface="Times New Roman" panose="02020603050405020304" pitchFamily="18" charset="0"/>
-              </a:rPr>
-              <a:t> Islam</a:t>
+              <a:t>Md. Rajaul Islam</a:t>
             </a:r>
           </a:p>
           <a:p>
@@ -12902,13 +12882,1248 @@
   <p:clrMapOvr>
     <a:masterClrMapping/>
   </p:clrMapOvr>
-  <p:timing>
-    <p:tnLst>
-      <p:par>
-        <p:cTn id="1" dur="indefinite" restart="never" nodeType="tmRoot"/>
-      </p:par>
-    </p:tnLst>
-  </p:timing>
+  <mc:AlternateContent xmlns:mc="http://schemas.openxmlformats.org/markup-compatibility/2006">
+    <mc:Choice xmlns:p14="http://schemas.microsoft.com/office/powerpoint/2010/main" Requires="p14">
+      <p:transition spd="slow" p14:dur="1600">
+        <p14:gallery dir="l"/>
+      </p:transition>
+    </mc:Choice>
+    <mc:Fallback>
+      <p:transition spd="slow">
+        <p:fade/>
+      </p:transition>
+    </mc:Fallback>
+  </mc:AlternateContent>
+</p:sld>
+</file>
+
+<file path=ppt/slides/slide10.xml><?xml version="1.0" encoding="utf-8"?>
+<p:sld xmlns:a="http://schemas.openxmlformats.org/drawingml/2006/main" xmlns:r="http://schemas.openxmlformats.org/officeDocument/2006/relationships" xmlns:p="http://schemas.openxmlformats.org/presentationml/2006/main" showMasterSp="0">
+  <p:cSld>
+    <p:bg>
+      <p:bgPr>
+        <a:pattFill prst="pct5">
+          <a:fgClr>
+            <a:schemeClr val="accent1"/>
+          </a:fgClr>
+          <a:bgClr>
+            <a:schemeClr val="bg1"/>
+          </a:bgClr>
+        </a:pattFill>
+        <a:effectLst/>
+      </p:bgPr>
+    </p:bg>
+    <p:spTree>
+      <p:nvGrpSpPr>
+        <p:cNvPr id="1" name=""/>
+        <p:cNvGrpSpPr/>
+        <p:nvPr/>
+      </p:nvGrpSpPr>
+      <p:grpSpPr>
+        <a:xfrm>
+          <a:off x="0" y="0"/>
+          <a:ext cx="0" cy="0"/>
+          <a:chOff x="0" y="0"/>
+          <a:chExt cx="0" cy="0"/>
+        </a:xfrm>
+      </p:grpSpPr>
+      <p:sp>
+        <p:nvSpPr>
+          <p:cNvPr id="2" name="Title 1">
+            <a:extLst>
+              <a:ext uri="{FF2B5EF4-FFF2-40B4-BE49-F238E27FC236}">
+                <a16:creationId xmlns:a16="http://schemas.microsoft.com/office/drawing/2014/main" id="{6306CA3D-081F-43F5-B961-2B08C1AB8FD2}"/>
+              </a:ext>
+            </a:extLst>
+          </p:cNvPr>
+          <p:cNvSpPr>
+            <a:spLocks noGrp="1"/>
+          </p:cNvSpPr>
+          <p:nvPr>
+            <p:ph type="title"/>
+          </p:nvPr>
+        </p:nvSpPr>
+        <p:spPr>
+          <a:xfrm>
+            <a:off x="781878" y="142256"/>
+            <a:ext cx="10464316" cy="938611"/>
+          </a:xfrm>
+        </p:spPr>
+        <p:txBody>
+          <a:bodyPr>
+            <a:normAutofit/>
+          </a:bodyPr>
+          <a:lstStyle/>
+          <a:p>
+            <a:r>
+              <a:rPr lang="en-GB" sz="5000" cap="none" dirty="0">
+                <a:latin typeface="Times New Roman" panose="02020603050405020304" pitchFamily="18" charset="0"/>
+                <a:cs typeface="Times New Roman" panose="02020603050405020304" pitchFamily="18" charset="0"/>
+              </a:rPr>
+              <a:t>Project Description……</a:t>
+            </a:r>
+          </a:p>
+        </p:txBody>
+      </p:sp>
+      <p:pic>
+        <p:nvPicPr>
+          <p:cNvPr id="4" name="Picture 3">
+            <a:extLst>
+              <a:ext uri="{FF2B5EF4-FFF2-40B4-BE49-F238E27FC236}">
+                <a16:creationId xmlns:a16="http://schemas.microsoft.com/office/drawing/2014/main" id="{A0A9B15A-13ED-4FB6-9B6B-1809620A1D27}"/>
+              </a:ext>
+            </a:extLst>
+          </p:cNvPr>
+          <p:cNvPicPr>
+            <a:picLocks noChangeAspect="1"/>
+          </p:cNvPicPr>
+          <p:nvPr/>
+        </p:nvPicPr>
+        <p:blipFill>
+          <a:blip r:embed="rId2"/>
+          <a:stretch>
+            <a:fillRect/>
+          </a:stretch>
+        </p:blipFill>
+        <p:spPr>
+          <a:xfrm>
+            <a:off x="1232452" y="1066798"/>
+            <a:ext cx="10177670" cy="5597633"/>
+          </a:xfrm>
+          <a:prstGeom prst="rect">
+            <a:avLst/>
+          </a:prstGeom>
+        </p:spPr>
+      </p:pic>
+    </p:spTree>
+    <p:extLst>
+      <p:ext uri="{BB962C8B-B14F-4D97-AF65-F5344CB8AC3E}">
+        <p14:creationId xmlns:p14="http://schemas.microsoft.com/office/powerpoint/2010/main" val="1106542478"/>
+      </p:ext>
+    </p:extLst>
+  </p:cSld>
+  <p:clrMapOvr>
+    <a:masterClrMapping/>
+  </p:clrMapOvr>
+  <mc:AlternateContent xmlns:mc="http://schemas.openxmlformats.org/markup-compatibility/2006">
+    <mc:Choice xmlns:p14="http://schemas.microsoft.com/office/powerpoint/2010/main" Requires="p14">
+      <p:transition spd="slow" p14:dur="1600">
+        <p14:gallery dir="l"/>
+      </p:transition>
+    </mc:Choice>
+    <mc:Fallback>
+      <p:transition spd="slow">
+        <p:fade/>
+      </p:transition>
+    </mc:Fallback>
+  </mc:AlternateContent>
+</p:sld>
+</file>
+
+<file path=ppt/slides/slide11.xml><?xml version="1.0" encoding="utf-8"?>
+<p:sld xmlns:a="http://schemas.openxmlformats.org/drawingml/2006/main" xmlns:r="http://schemas.openxmlformats.org/officeDocument/2006/relationships" xmlns:p="http://schemas.openxmlformats.org/presentationml/2006/main" showMasterSp="0">
+  <p:cSld>
+    <p:bg>
+      <p:bgPr>
+        <a:pattFill prst="pct5">
+          <a:fgClr>
+            <a:schemeClr val="accent1"/>
+          </a:fgClr>
+          <a:bgClr>
+            <a:schemeClr val="bg1"/>
+          </a:bgClr>
+        </a:pattFill>
+        <a:effectLst/>
+      </p:bgPr>
+    </p:bg>
+    <p:spTree>
+      <p:nvGrpSpPr>
+        <p:cNvPr id="1" name=""/>
+        <p:cNvGrpSpPr/>
+        <p:nvPr/>
+      </p:nvGrpSpPr>
+      <p:grpSpPr>
+        <a:xfrm>
+          <a:off x="0" y="0"/>
+          <a:ext cx="0" cy="0"/>
+          <a:chOff x="0" y="0"/>
+          <a:chExt cx="0" cy="0"/>
+        </a:xfrm>
+      </p:grpSpPr>
+      <p:sp>
+        <p:nvSpPr>
+          <p:cNvPr id="2" name="Title 1">
+            <a:extLst>
+              <a:ext uri="{FF2B5EF4-FFF2-40B4-BE49-F238E27FC236}">
+                <a16:creationId xmlns:a16="http://schemas.microsoft.com/office/drawing/2014/main" id="{6306CA3D-081F-43F5-B961-2B08C1AB8FD2}"/>
+              </a:ext>
+            </a:extLst>
+          </p:cNvPr>
+          <p:cNvSpPr>
+            <a:spLocks noGrp="1"/>
+          </p:cNvSpPr>
+          <p:nvPr>
+            <p:ph type="title"/>
+          </p:nvPr>
+        </p:nvSpPr>
+        <p:spPr>
+          <a:xfrm>
+            <a:off x="781878" y="128188"/>
+            <a:ext cx="10464316" cy="938611"/>
+          </a:xfrm>
+        </p:spPr>
+        <p:txBody>
+          <a:bodyPr>
+            <a:normAutofit/>
+          </a:bodyPr>
+          <a:lstStyle/>
+          <a:p>
+            <a:r>
+              <a:rPr lang="en-GB" sz="5000" cap="none" dirty="0">
+                <a:latin typeface="Times New Roman" panose="02020603050405020304" pitchFamily="18" charset="0"/>
+                <a:cs typeface="Times New Roman" panose="02020603050405020304" pitchFamily="18" charset="0"/>
+              </a:rPr>
+              <a:t>Project Description……</a:t>
+            </a:r>
+          </a:p>
+        </p:txBody>
+      </p:sp>
+      <p:pic>
+        <p:nvPicPr>
+          <p:cNvPr id="4" name="Picture 3">
+            <a:extLst>
+              <a:ext uri="{FF2B5EF4-FFF2-40B4-BE49-F238E27FC236}">
+                <a16:creationId xmlns:a16="http://schemas.microsoft.com/office/drawing/2014/main" id="{6B92D5CD-6D08-4AF4-85D0-691C3E3CA251}"/>
+              </a:ext>
+            </a:extLst>
+          </p:cNvPr>
+          <p:cNvPicPr>
+            <a:picLocks noChangeAspect="1"/>
+          </p:cNvPicPr>
+          <p:nvPr/>
+        </p:nvPicPr>
+        <p:blipFill>
+          <a:blip r:embed="rId2"/>
+          <a:stretch>
+            <a:fillRect/>
+          </a:stretch>
+        </p:blipFill>
+        <p:spPr>
+          <a:xfrm>
+            <a:off x="1232452" y="1066799"/>
+            <a:ext cx="10177670" cy="5602095"/>
+          </a:xfrm>
+          <a:prstGeom prst="rect">
+            <a:avLst/>
+          </a:prstGeom>
+        </p:spPr>
+      </p:pic>
+    </p:spTree>
+    <p:extLst>
+      <p:ext uri="{BB962C8B-B14F-4D97-AF65-F5344CB8AC3E}">
+        <p14:creationId xmlns:p14="http://schemas.microsoft.com/office/powerpoint/2010/main" val="2312354848"/>
+      </p:ext>
+    </p:extLst>
+  </p:cSld>
+  <p:clrMapOvr>
+    <a:masterClrMapping/>
+  </p:clrMapOvr>
+  <mc:AlternateContent xmlns:mc="http://schemas.openxmlformats.org/markup-compatibility/2006">
+    <mc:Choice xmlns:p14="http://schemas.microsoft.com/office/powerpoint/2010/main" Requires="p14">
+      <p:transition spd="slow" p14:dur="1600">
+        <p14:gallery dir="l"/>
+      </p:transition>
+    </mc:Choice>
+    <mc:Fallback>
+      <p:transition spd="slow">
+        <p:fade/>
+      </p:transition>
+    </mc:Fallback>
+  </mc:AlternateContent>
+</p:sld>
+</file>
+
+<file path=ppt/slides/slide12.xml><?xml version="1.0" encoding="utf-8"?>
+<p:sld xmlns:a="http://schemas.openxmlformats.org/drawingml/2006/main" xmlns:r="http://schemas.openxmlformats.org/officeDocument/2006/relationships" xmlns:p="http://schemas.openxmlformats.org/presentationml/2006/main" showMasterSp="0">
+  <p:cSld>
+    <p:bg>
+      <p:bgPr>
+        <a:pattFill prst="pct5">
+          <a:fgClr>
+            <a:schemeClr val="accent1"/>
+          </a:fgClr>
+          <a:bgClr>
+            <a:schemeClr val="bg1"/>
+          </a:bgClr>
+        </a:pattFill>
+        <a:effectLst/>
+      </p:bgPr>
+    </p:bg>
+    <p:spTree>
+      <p:nvGrpSpPr>
+        <p:cNvPr id="1" name=""/>
+        <p:cNvGrpSpPr/>
+        <p:nvPr/>
+      </p:nvGrpSpPr>
+      <p:grpSpPr>
+        <a:xfrm>
+          <a:off x="0" y="0"/>
+          <a:ext cx="0" cy="0"/>
+          <a:chOff x="0" y="0"/>
+          <a:chExt cx="0" cy="0"/>
+        </a:xfrm>
+      </p:grpSpPr>
+      <p:sp>
+        <p:nvSpPr>
+          <p:cNvPr id="2" name="Title 1">
+            <a:extLst>
+              <a:ext uri="{FF2B5EF4-FFF2-40B4-BE49-F238E27FC236}">
+                <a16:creationId xmlns:a16="http://schemas.microsoft.com/office/drawing/2014/main" id="{6306CA3D-081F-43F5-B961-2B08C1AB8FD2}"/>
+              </a:ext>
+            </a:extLst>
+          </p:cNvPr>
+          <p:cNvSpPr>
+            <a:spLocks noGrp="1"/>
+          </p:cNvSpPr>
+          <p:nvPr>
+            <p:ph type="title"/>
+          </p:nvPr>
+        </p:nvSpPr>
+        <p:spPr>
+          <a:xfrm>
+            <a:off x="808383" y="128188"/>
+            <a:ext cx="10437811" cy="938611"/>
+          </a:xfrm>
+        </p:spPr>
+        <p:txBody>
+          <a:bodyPr>
+            <a:normAutofit/>
+          </a:bodyPr>
+          <a:lstStyle/>
+          <a:p>
+            <a:r>
+              <a:rPr lang="en-GB" sz="5000" cap="none" dirty="0">
+                <a:latin typeface="Times New Roman" panose="02020603050405020304" pitchFamily="18" charset="0"/>
+                <a:cs typeface="Times New Roman" panose="02020603050405020304" pitchFamily="18" charset="0"/>
+              </a:rPr>
+              <a:t>Project Description……</a:t>
+            </a:r>
+          </a:p>
+        </p:txBody>
+      </p:sp>
+      <p:pic>
+        <p:nvPicPr>
+          <p:cNvPr id="4" name="Picture 3">
+            <a:extLst>
+              <a:ext uri="{FF2B5EF4-FFF2-40B4-BE49-F238E27FC236}">
+                <a16:creationId xmlns:a16="http://schemas.microsoft.com/office/drawing/2014/main" id="{A1BF122E-E142-424D-8BE6-420970C7F0AA}"/>
+              </a:ext>
+            </a:extLst>
+          </p:cNvPr>
+          <p:cNvPicPr>
+            <a:picLocks noChangeAspect="1"/>
+          </p:cNvPicPr>
+          <p:nvPr/>
+        </p:nvPicPr>
+        <p:blipFill>
+          <a:blip r:embed="rId2"/>
+          <a:stretch>
+            <a:fillRect/>
+          </a:stretch>
+        </p:blipFill>
+        <p:spPr>
+          <a:xfrm>
+            <a:off x="1245704" y="1066799"/>
+            <a:ext cx="10137913" cy="5602095"/>
+          </a:xfrm>
+          <a:prstGeom prst="rect">
+            <a:avLst/>
+          </a:prstGeom>
+        </p:spPr>
+      </p:pic>
+    </p:spTree>
+    <p:extLst>
+      <p:ext uri="{BB962C8B-B14F-4D97-AF65-F5344CB8AC3E}">
+        <p14:creationId xmlns:p14="http://schemas.microsoft.com/office/powerpoint/2010/main" val="2019821920"/>
+      </p:ext>
+    </p:extLst>
+  </p:cSld>
+  <p:clrMapOvr>
+    <a:masterClrMapping/>
+  </p:clrMapOvr>
+  <mc:AlternateContent xmlns:mc="http://schemas.openxmlformats.org/markup-compatibility/2006">
+    <mc:Choice xmlns:p14="http://schemas.microsoft.com/office/powerpoint/2010/main" Requires="p14">
+      <p:transition spd="slow" p14:dur="1600">
+        <p14:gallery dir="l"/>
+      </p:transition>
+    </mc:Choice>
+    <mc:Fallback>
+      <p:transition spd="slow">
+        <p:fade/>
+      </p:transition>
+    </mc:Fallback>
+  </mc:AlternateContent>
+</p:sld>
+</file>
+
+<file path=ppt/slides/slide13.xml><?xml version="1.0" encoding="utf-8"?>
+<p:sld xmlns:a="http://schemas.openxmlformats.org/drawingml/2006/main" xmlns:r="http://schemas.openxmlformats.org/officeDocument/2006/relationships" xmlns:p="http://schemas.openxmlformats.org/presentationml/2006/main" showMasterSp="0">
+  <p:cSld>
+    <p:bg>
+      <p:bgPr>
+        <a:pattFill prst="pct5">
+          <a:fgClr>
+            <a:schemeClr val="accent1"/>
+          </a:fgClr>
+          <a:bgClr>
+            <a:schemeClr val="bg1"/>
+          </a:bgClr>
+        </a:pattFill>
+        <a:effectLst/>
+      </p:bgPr>
+    </p:bg>
+    <p:spTree>
+      <p:nvGrpSpPr>
+        <p:cNvPr id="1" name=""/>
+        <p:cNvGrpSpPr/>
+        <p:nvPr/>
+      </p:nvGrpSpPr>
+      <p:grpSpPr>
+        <a:xfrm>
+          <a:off x="0" y="0"/>
+          <a:ext cx="0" cy="0"/>
+          <a:chOff x="0" y="0"/>
+          <a:chExt cx="0" cy="0"/>
+        </a:xfrm>
+      </p:grpSpPr>
+      <p:sp>
+        <p:nvSpPr>
+          <p:cNvPr id="2" name="Title 1">
+            <a:extLst>
+              <a:ext uri="{FF2B5EF4-FFF2-40B4-BE49-F238E27FC236}">
+                <a16:creationId xmlns:a16="http://schemas.microsoft.com/office/drawing/2014/main" id="{6306CA3D-081F-43F5-B961-2B08C1AB8FD2}"/>
+              </a:ext>
+            </a:extLst>
+          </p:cNvPr>
+          <p:cNvSpPr>
+            <a:spLocks noGrp="1"/>
+          </p:cNvSpPr>
+          <p:nvPr>
+            <p:ph type="title"/>
+          </p:nvPr>
+        </p:nvSpPr>
+        <p:spPr>
+          <a:xfrm>
+            <a:off x="795130" y="128188"/>
+            <a:ext cx="10451064" cy="938611"/>
+          </a:xfrm>
+        </p:spPr>
+        <p:txBody>
+          <a:bodyPr>
+            <a:normAutofit/>
+          </a:bodyPr>
+          <a:lstStyle/>
+          <a:p>
+            <a:r>
+              <a:rPr lang="en-GB" sz="5000" cap="none" dirty="0">
+                <a:latin typeface="Times New Roman" panose="02020603050405020304" pitchFamily="18" charset="0"/>
+                <a:cs typeface="Times New Roman" panose="02020603050405020304" pitchFamily="18" charset="0"/>
+              </a:rPr>
+              <a:t>Project Description……</a:t>
+            </a:r>
+          </a:p>
+        </p:txBody>
+      </p:sp>
+      <p:pic>
+        <p:nvPicPr>
+          <p:cNvPr id="4" name="Picture 3">
+            <a:extLst>
+              <a:ext uri="{FF2B5EF4-FFF2-40B4-BE49-F238E27FC236}">
+                <a16:creationId xmlns:a16="http://schemas.microsoft.com/office/drawing/2014/main" id="{78FFA78E-ACF9-4159-A3A6-661AB1BB765E}"/>
+              </a:ext>
+            </a:extLst>
+          </p:cNvPr>
+          <p:cNvPicPr>
+            <a:picLocks noChangeAspect="1"/>
+          </p:cNvPicPr>
+          <p:nvPr/>
+        </p:nvPicPr>
+        <p:blipFill>
+          <a:blip r:embed="rId2"/>
+          <a:stretch>
+            <a:fillRect/>
+          </a:stretch>
+        </p:blipFill>
+        <p:spPr>
+          <a:xfrm>
+            <a:off x="1232452" y="1066799"/>
+            <a:ext cx="10164418" cy="5593170"/>
+          </a:xfrm>
+          <a:prstGeom prst="rect">
+            <a:avLst/>
+          </a:prstGeom>
+        </p:spPr>
+      </p:pic>
+    </p:spTree>
+    <p:extLst>
+      <p:ext uri="{BB962C8B-B14F-4D97-AF65-F5344CB8AC3E}">
+        <p14:creationId xmlns:p14="http://schemas.microsoft.com/office/powerpoint/2010/main" val="688760326"/>
+      </p:ext>
+    </p:extLst>
+  </p:cSld>
+  <p:clrMapOvr>
+    <a:masterClrMapping/>
+  </p:clrMapOvr>
+  <mc:AlternateContent xmlns:mc="http://schemas.openxmlformats.org/markup-compatibility/2006">
+    <mc:Choice xmlns:p14="http://schemas.microsoft.com/office/powerpoint/2010/main" Requires="p14">
+      <p:transition spd="slow" p14:dur="1600">
+        <p14:gallery dir="l"/>
+      </p:transition>
+    </mc:Choice>
+    <mc:Fallback>
+      <p:transition spd="slow">
+        <p:fade/>
+      </p:transition>
+    </mc:Fallback>
+  </mc:AlternateContent>
+</p:sld>
+</file>
+
+<file path=ppt/slides/slide14.xml><?xml version="1.0" encoding="utf-8"?>
+<p:sld xmlns:a="http://schemas.openxmlformats.org/drawingml/2006/main" xmlns:r="http://schemas.openxmlformats.org/officeDocument/2006/relationships" xmlns:p="http://schemas.openxmlformats.org/presentationml/2006/main" showMasterSp="0">
+  <p:cSld>
+    <p:bg>
+      <p:bgPr>
+        <a:pattFill prst="pct5">
+          <a:fgClr>
+            <a:schemeClr val="accent1"/>
+          </a:fgClr>
+          <a:bgClr>
+            <a:schemeClr val="bg1"/>
+          </a:bgClr>
+        </a:pattFill>
+        <a:effectLst/>
+      </p:bgPr>
+    </p:bg>
+    <p:spTree>
+      <p:nvGrpSpPr>
+        <p:cNvPr id="1" name=""/>
+        <p:cNvGrpSpPr/>
+        <p:nvPr/>
+      </p:nvGrpSpPr>
+      <p:grpSpPr>
+        <a:xfrm>
+          <a:off x="0" y="0"/>
+          <a:ext cx="0" cy="0"/>
+          <a:chOff x="0" y="0"/>
+          <a:chExt cx="0" cy="0"/>
+        </a:xfrm>
+      </p:grpSpPr>
+      <p:sp>
+        <p:nvSpPr>
+          <p:cNvPr id="2" name="Title 1">
+            <a:extLst>
+              <a:ext uri="{FF2B5EF4-FFF2-40B4-BE49-F238E27FC236}">
+                <a16:creationId xmlns:a16="http://schemas.microsoft.com/office/drawing/2014/main" id="{6306CA3D-081F-43F5-B961-2B08C1AB8FD2}"/>
+              </a:ext>
+            </a:extLst>
+          </p:cNvPr>
+          <p:cNvSpPr>
+            <a:spLocks noGrp="1"/>
+          </p:cNvSpPr>
+          <p:nvPr>
+            <p:ph type="title"/>
+          </p:nvPr>
+        </p:nvSpPr>
+        <p:spPr>
+          <a:xfrm>
+            <a:off x="795130" y="128188"/>
+            <a:ext cx="10451064" cy="938611"/>
+          </a:xfrm>
+        </p:spPr>
+        <p:txBody>
+          <a:bodyPr>
+            <a:normAutofit/>
+          </a:bodyPr>
+          <a:lstStyle/>
+          <a:p>
+            <a:r>
+              <a:rPr lang="en-GB" sz="5000" cap="none" dirty="0">
+                <a:latin typeface="Times New Roman" panose="02020603050405020304" pitchFamily="18" charset="0"/>
+                <a:cs typeface="Times New Roman" panose="02020603050405020304" pitchFamily="18" charset="0"/>
+              </a:rPr>
+              <a:t>Project Description……</a:t>
+            </a:r>
+          </a:p>
+        </p:txBody>
+      </p:sp>
+      <p:pic>
+        <p:nvPicPr>
+          <p:cNvPr id="4" name="Picture 3">
+            <a:extLst>
+              <a:ext uri="{FF2B5EF4-FFF2-40B4-BE49-F238E27FC236}">
+                <a16:creationId xmlns:a16="http://schemas.microsoft.com/office/drawing/2014/main" id="{D4FBDE49-252F-48FF-A274-5851CD89C07C}"/>
+              </a:ext>
+            </a:extLst>
+          </p:cNvPr>
+          <p:cNvPicPr>
+            <a:picLocks noChangeAspect="1"/>
+          </p:cNvPicPr>
+          <p:nvPr/>
+        </p:nvPicPr>
+        <p:blipFill>
+          <a:blip r:embed="rId2"/>
+          <a:stretch>
+            <a:fillRect/>
+          </a:stretch>
+        </p:blipFill>
+        <p:spPr>
+          <a:xfrm>
+            <a:off x="1232452" y="1066799"/>
+            <a:ext cx="10164418" cy="5593170"/>
+          </a:xfrm>
+          <a:prstGeom prst="rect">
+            <a:avLst/>
+          </a:prstGeom>
+        </p:spPr>
+      </p:pic>
+    </p:spTree>
+    <p:extLst>
+      <p:ext uri="{BB962C8B-B14F-4D97-AF65-F5344CB8AC3E}">
+        <p14:creationId xmlns:p14="http://schemas.microsoft.com/office/powerpoint/2010/main" val="2296465482"/>
+      </p:ext>
+    </p:extLst>
+  </p:cSld>
+  <p:clrMapOvr>
+    <a:masterClrMapping/>
+  </p:clrMapOvr>
+  <mc:AlternateContent xmlns:mc="http://schemas.openxmlformats.org/markup-compatibility/2006">
+    <mc:Choice xmlns:p14="http://schemas.microsoft.com/office/powerpoint/2010/main" Requires="p14">
+      <p:transition spd="slow" p14:dur="1600">
+        <p14:gallery dir="l"/>
+      </p:transition>
+    </mc:Choice>
+    <mc:Fallback>
+      <p:transition spd="slow">
+        <p:fade/>
+      </p:transition>
+    </mc:Fallback>
+  </mc:AlternateContent>
+</p:sld>
+</file>
+
+<file path=ppt/slides/slide15.xml><?xml version="1.0" encoding="utf-8"?>
+<p:sld xmlns:a="http://schemas.openxmlformats.org/drawingml/2006/main" xmlns:r="http://schemas.openxmlformats.org/officeDocument/2006/relationships" xmlns:p="http://schemas.openxmlformats.org/presentationml/2006/main" showMasterSp="0">
+  <p:cSld>
+    <p:bg>
+      <p:bgPr>
+        <a:pattFill prst="pct5">
+          <a:fgClr>
+            <a:schemeClr val="accent1"/>
+          </a:fgClr>
+          <a:bgClr>
+            <a:schemeClr val="bg1"/>
+          </a:bgClr>
+        </a:pattFill>
+        <a:effectLst/>
+      </p:bgPr>
+    </p:bg>
+    <p:spTree>
+      <p:nvGrpSpPr>
+        <p:cNvPr id="1" name=""/>
+        <p:cNvGrpSpPr/>
+        <p:nvPr/>
+      </p:nvGrpSpPr>
+      <p:grpSpPr>
+        <a:xfrm>
+          <a:off x="0" y="0"/>
+          <a:ext cx="0" cy="0"/>
+          <a:chOff x="0" y="0"/>
+          <a:chExt cx="0" cy="0"/>
+        </a:xfrm>
+      </p:grpSpPr>
+      <p:sp>
+        <p:nvSpPr>
+          <p:cNvPr id="2" name="Title 1">
+            <a:extLst>
+              <a:ext uri="{FF2B5EF4-FFF2-40B4-BE49-F238E27FC236}">
+                <a16:creationId xmlns:a16="http://schemas.microsoft.com/office/drawing/2014/main" id="{6306CA3D-081F-43F5-B961-2B08C1AB8FD2}"/>
+              </a:ext>
+            </a:extLst>
+          </p:cNvPr>
+          <p:cNvSpPr>
+            <a:spLocks noGrp="1"/>
+          </p:cNvSpPr>
+          <p:nvPr>
+            <p:ph type="title"/>
+          </p:nvPr>
+        </p:nvSpPr>
+        <p:spPr>
+          <a:xfrm>
+            <a:off x="808383" y="128188"/>
+            <a:ext cx="10437811" cy="938611"/>
+          </a:xfrm>
+        </p:spPr>
+        <p:txBody>
+          <a:bodyPr>
+            <a:normAutofit/>
+          </a:bodyPr>
+          <a:lstStyle/>
+          <a:p>
+            <a:r>
+              <a:rPr lang="en-GB" sz="5000" cap="none" dirty="0">
+                <a:latin typeface="Times New Roman" panose="02020603050405020304" pitchFamily="18" charset="0"/>
+                <a:cs typeface="Times New Roman" panose="02020603050405020304" pitchFamily="18" charset="0"/>
+              </a:rPr>
+              <a:t>Project Description……</a:t>
+            </a:r>
+          </a:p>
+        </p:txBody>
+      </p:sp>
+      <p:pic>
+        <p:nvPicPr>
+          <p:cNvPr id="4" name="Picture 3">
+            <a:extLst>
+              <a:ext uri="{FF2B5EF4-FFF2-40B4-BE49-F238E27FC236}">
+                <a16:creationId xmlns:a16="http://schemas.microsoft.com/office/drawing/2014/main" id="{7DFA275F-06FF-4BAA-BD9E-609DD6FD0C6F}"/>
+              </a:ext>
+            </a:extLst>
+          </p:cNvPr>
+          <p:cNvPicPr>
+            <a:picLocks noChangeAspect="1"/>
+          </p:cNvPicPr>
+          <p:nvPr/>
+        </p:nvPicPr>
+        <p:blipFill>
+          <a:blip r:embed="rId2"/>
+          <a:stretch>
+            <a:fillRect/>
+          </a:stretch>
+        </p:blipFill>
+        <p:spPr>
+          <a:xfrm>
+            <a:off x="1245704" y="1066799"/>
+            <a:ext cx="10137913" cy="5593170"/>
+          </a:xfrm>
+          <a:prstGeom prst="rect">
+            <a:avLst/>
+          </a:prstGeom>
+        </p:spPr>
+      </p:pic>
+    </p:spTree>
+    <p:extLst>
+      <p:ext uri="{BB962C8B-B14F-4D97-AF65-F5344CB8AC3E}">
+        <p14:creationId xmlns:p14="http://schemas.microsoft.com/office/powerpoint/2010/main" val="1837912238"/>
+      </p:ext>
+    </p:extLst>
+  </p:cSld>
+  <p:clrMapOvr>
+    <a:masterClrMapping/>
+  </p:clrMapOvr>
+  <mc:AlternateContent xmlns:mc="http://schemas.openxmlformats.org/markup-compatibility/2006">
+    <mc:Choice xmlns:p14="http://schemas.microsoft.com/office/powerpoint/2010/main" Requires="p14">
+      <p:transition spd="slow" p14:dur="1600">
+        <p14:gallery dir="l"/>
+      </p:transition>
+    </mc:Choice>
+    <mc:Fallback>
+      <p:transition spd="slow">
+        <p:fade/>
+      </p:transition>
+    </mc:Fallback>
+  </mc:AlternateContent>
+</p:sld>
+</file>
+
+<file path=ppt/slides/slide16.xml><?xml version="1.0" encoding="utf-8"?>
+<p:sld xmlns:a="http://schemas.openxmlformats.org/drawingml/2006/main" xmlns:r="http://schemas.openxmlformats.org/officeDocument/2006/relationships" xmlns:p="http://schemas.openxmlformats.org/presentationml/2006/main" showMasterSp="0">
+  <p:cSld>
+    <p:bg>
+      <p:bgPr>
+        <a:pattFill prst="pct5">
+          <a:fgClr>
+            <a:schemeClr val="accent1"/>
+          </a:fgClr>
+          <a:bgClr>
+            <a:schemeClr val="bg1"/>
+          </a:bgClr>
+        </a:pattFill>
+        <a:effectLst/>
+      </p:bgPr>
+    </p:bg>
+    <p:spTree>
+      <p:nvGrpSpPr>
+        <p:cNvPr id="1" name=""/>
+        <p:cNvGrpSpPr/>
+        <p:nvPr/>
+      </p:nvGrpSpPr>
+      <p:grpSpPr>
+        <a:xfrm>
+          <a:off x="0" y="0"/>
+          <a:ext cx="0" cy="0"/>
+          <a:chOff x="0" y="0"/>
+          <a:chExt cx="0" cy="0"/>
+        </a:xfrm>
+      </p:grpSpPr>
+      <p:sp>
+        <p:nvSpPr>
+          <p:cNvPr id="2" name="Title 1">
+            <a:extLst>
+              <a:ext uri="{FF2B5EF4-FFF2-40B4-BE49-F238E27FC236}">
+                <a16:creationId xmlns:a16="http://schemas.microsoft.com/office/drawing/2014/main" id="{6306CA3D-081F-43F5-B961-2B08C1AB8FD2}"/>
+              </a:ext>
+            </a:extLst>
+          </p:cNvPr>
+          <p:cNvSpPr>
+            <a:spLocks noGrp="1"/>
+          </p:cNvSpPr>
+          <p:nvPr>
+            <p:ph type="title"/>
+          </p:nvPr>
+        </p:nvSpPr>
+        <p:spPr>
+          <a:xfrm>
+            <a:off x="795130" y="128188"/>
+            <a:ext cx="10451064" cy="938611"/>
+          </a:xfrm>
+        </p:spPr>
+        <p:txBody>
+          <a:bodyPr>
+            <a:normAutofit/>
+          </a:bodyPr>
+          <a:lstStyle/>
+          <a:p>
+            <a:r>
+              <a:rPr lang="en-GB" sz="5000" cap="none" dirty="0">
+                <a:latin typeface="Times New Roman" panose="02020603050405020304" pitchFamily="18" charset="0"/>
+                <a:cs typeface="Times New Roman" panose="02020603050405020304" pitchFamily="18" charset="0"/>
+              </a:rPr>
+              <a:t>Project Description……</a:t>
+            </a:r>
+          </a:p>
+        </p:txBody>
+      </p:sp>
+      <p:pic>
+        <p:nvPicPr>
+          <p:cNvPr id="4" name="Picture 3">
+            <a:extLst>
+              <a:ext uri="{FF2B5EF4-FFF2-40B4-BE49-F238E27FC236}">
+                <a16:creationId xmlns:a16="http://schemas.microsoft.com/office/drawing/2014/main" id="{FC8EC220-D317-4989-A05C-91D477832961}"/>
+              </a:ext>
+            </a:extLst>
+          </p:cNvPr>
+          <p:cNvPicPr>
+            <a:picLocks noChangeAspect="1"/>
+          </p:cNvPicPr>
+          <p:nvPr/>
+        </p:nvPicPr>
+        <p:blipFill>
+          <a:blip r:embed="rId2"/>
+          <a:stretch>
+            <a:fillRect/>
+          </a:stretch>
+        </p:blipFill>
+        <p:spPr>
+          <a:xfrm>
+            <a:off x="1232452" y="1066798"/>
+            <a:ext cx="10164418" cy="5597633"/>
+          </a:xfrm>
+          <a:prstGeom prst="rect">
+            <a:avLst/>
+          </a:prstGeom>
+        </p:spPr>
+      </p:pic>
+    </p:spTree>
+    <p:extLst>
+      <p:ext uri="{BB962C8B-B14F-4D97-AF65-F5344CB8AC3E}">
+        <p14:creationId xmlns:p14="http://schemas.microsoft.com/office/powerpoint/2010/main" val="934723832"/>
+      </p:ext>
+    </p:extLst>
+  </p:cSld>
+  <p:clrMapOvr>
+    <a:masterClrMapping/>
+  </p:clrMapOvr>
+  <mc:AlternateContent xmlns:mc="http://schemas.openxmlformats.org/markup-compatibility/2006">
+    <mc:Choice xmlns:p14="http://schemas.microsoft.com/office/powerpoint/2010/main" Requires="p14">
+      <p:transition spd="slow" p14:dur="1600">
+        <p14:gallery dir="l"/>
+      </p:transition>
+    </mc:Choice>
+    <mc:Fallback>
+      <p:transition spd="slow">
+        <p:fade/>
+      </p:transition>
+    </mc:Fallback>
+  </mc:AlternateContent>
+</p:sld>
+</file>
+
+<file path=ppt/slides/slide17.xml><?xml version="1.0" encoding="utf-8"?>
+<p:sld xmlns:a="http://schemas.openxmlformats.org/drawingml/2006/main" xmlns:r="http://schemas.openxmlformats.org/officeDocument/2006/relationships" xmlns:p="http://schemas.openxmlformats.org/presentationml/2006/main" showMasterSp="0">
+  <p:cSld>
+    <p:bg>
+      <p:bgPr>
+        <a:pattFill prst="pct5">
+          <a:fgClr>
+            <a:schemeClr val="accent1"/>
+          </a:fgClr>
+          <a:bgClr>
+            <a:schemeClr val="bg1"/>
+          </a:bgClr>
+        </a:pattFill>
+        <a:effectLst/>
+      </p:bgPr>
+    </p:bg>
+    <p:spTree>
+      <p:nvGrpSpPr>
+        <p:cNvPr id="1" name=""/>
+        <p:cNvGrpSpPr/>
+        <p:nvPr/>
+      </p:nvGrpSpPr>
+      <p:grpSpPr>
+        <a:xfrm>
+          <a:off x="0" y="0"/>
+          <a:ext cx="0" cy="0"/>
+          <a:chOff x="0" y="0"/>
+          <a:chExt cx="0" cy="0"/>
+        </a:xfrm>
+      </p:grpSpPr>
+      <p:sp>
+        <p:nvSpPr>
+          <p:cNvPr id="2" name="Title 1">
+            <a:extLst>
+              <a:ext uri="{FF2B5EF4-FFF2-40B4-BE49-F238E27FC236}">
+                <a16:creationId xmlns:a16="http://schemas.microsoft.com/office/drawing/2014/main" id="{6306CA3D-081F-43F5-B961-2B08C1AB8FD2}"/>
+              </a:ext>
+            </a:extLst>
+          </p:cNvPr>
+          <p:cNvSpPr>
+            <a:spLocks noGrp="1"/>
+          </p:cNvSpPr>
+          <p:nvPr>
+            <p:ph type="title"/>
+          </p:nvPr>
+        </p:nvSpPr>
+        <p:spPr>
+          <a:xfrm>
+            <a:off x="808383" y="128188"/>
+            <a:ext cx="10437811" cy="938611"/>
+          </a:xfrm>
+        </p:spPr>
+        <p:txBody>
+          <a:bodyPr>
+            <a:normAutofit/>
+          </a:bodyPr>
+          <a:lstStyle/>
+          <a:p>
+            <a:r>
+              <a:rPr lang="en-GB" sz="5000" cap="none" dirty="0">
+                <a:latin typeface="Times New Roman" panose="02020603050405020304" pitchFamily="18" charset="0"/>
+                <a:cs typeface="Times New Roman" panose="02020603050405020304" pitchFamily="18" charset="0"/>
+              </a:rPr>
+              <a:t>Project Description……</a:t>
+            </a:r>
+          </a:p>
+        </p:txBody>
+      </p:sp>
+      <p:pic>
+        <p:nvPicPr>
+          <p:cNvPr id="4" name="Picture 3">
+            <a:extLst>
+              <a:ext uri="{FF2B5EF4-FFF2-40B4-BE49-F238E27FC236}">
+                <a16:creationId xmlns:a16="http://schemas.microsoft.com/office/drawing/2014/main" id="{D9AA52AA-0274-4685-8C19-0B230D2CD048}"/>
+              </a:ext>
+            </a:extLst>
+          </p:cNvPr>
+          <p:cNvPicPr>
+            <a:picLocks noChangeAspect="1"/>
+          </p:cNvPicPr>
+          <p:nvPr/>
+        </p:nvPicPr>
+        <p:blipFill>
+          <a:blip r:embed="rId2"/>
+          <a:stretch>
+            <a:fillRect/>
+          </a:stretch>
+        </p:blipFill>
+        <p:spPr>
+          <a:xfrm>
+            <a:off x="1232452" y="1066799"/>
+            <a:ext cx="10151165" cy="5602095"/>
+          </a:xfrm>
+          <a:prstGeom prst="rect">
+            <a:avLst/>
+          </a:prstGeom>
+        </p:spPr>
+      </p:pic>
+    </p:spTree>
+    <p:extLst>
+      <p:ext uri="{BB962C8B-B14F-4D97-AF65-F5344CB8AC3E}">
+        <p14:creationId xmlns:p14="http://schemas.microsoft.com/office/powerpoint/2010/main" val="1209672927"/>
+      </p:ext>
+    </p:extLst>
+  </p:cSld>
+  <p:clrMapOvr>
+    <a:masterClrMapping/>
+  </p:clrMapOvr>
+  <mc:AlternateContent xmlns:mc="http://schemas.openxmlformats.org/markup-compatibility/2006">
+    <mc:Choice xmlns:p14="http://schemas.microsoft.com/office/powerpoint/2010/main" Requires="p14">
+      <p:transition spd="slow" p14:dur="1600">
+        <p14:gallery dir="l"/>
+      </p:transition>
+    </mc:Choice>
+    <mc:Fallback>
+      <p:transition spd="slow">
+        <p:fade/>
+      </p:transition>
+    </mc:Fallback>
+  </mc:AlternateContent>
+</p:sld>
+</file>
+
+<file path=ppt/slides/slide18.xml><?xml version="1.0" encoding="utf-8"?>
+<p:sld xmlns:a="http://schemas.openxmlformats.org/drawingml/2006/main" xmlns:r="http://schemas.openxmlformats.org/officeDocument/2006/relationships" xmlns:p="http://schemas.openxmlformats.org/presentationml/2006/main" showMasterSp="0">
+  <p:cSld>
+    <p:bg>
+      <p:bgPr>
+        <a:pattFill prst="pct5">
+          <a:fgClr>
+            <a:schemeClr val="accent1"/>
+          </a:fgClr>
+          <a:bgClr>
+            <a:schemeClr val="bg1"/>
+          </a:bgClr>
+        </a:pattFill>
+        <a:effectLst/>
+      </p:bgPr>
+    </p:bg>
+    <p:spTree>
+      <p:nvGrpSpPr>
+        <p:cNvPr id="1" name=""/>
+        <p:cNvGrpSpPr/>
+        <p:nvPr/>
+      </p:nvGrpSpPr>
+      <p:grpSpPr>
+        <a:xfrm>
+          <a:off x="0" y="0"/>
+          <a:ext cx="0" cy="0"/>
+          <a:chOff x="0" y="0"/>
+          <a:chExt cx="0" cy="0"/>
+        </a:xfrm>
+      </p:grpSpPr>
+      <p:sp>
+        <p:nvSpPr>
+          <p:cNvPr id="2" name="Title 1">
+            <a:extLst>
+              <a:ext uri="{FF2B5EF4-FFF2-40B4-BE49-F238E27FC236}">
+                <a16:creationId xmlns:a16="http://schemas.microsoft.com/office/drawing/2014/main" id="{6306CA3D-081F-43F5-B961-2B08C1AB8FD2}"/>
+              </a:ext>
+            </a:extLst>
+          </p:cNvPr>
+          <p:cNvSpPr>
+            <a:spLocks noGrp="1"/>
+          </p:cNvSpPr>
+          <p:nvPr>
+            <p:ph type="title"/>
+          </p:nvPr>
+        </p:nvSpPr>
+        <p:spPr>
+          <a:xfrm>
+            <a:off x="755374" y="128188"/>
+            <a:ext cx="10490820" cy="938611"/>
+          </a:xfrm>
+        </p:spPr>
+        <p:txBody>
+          <a:bodyPr>
+            <a:normAutofit/>
+          </a:bodyPr>
+          <a:lstStyle/>
+          <a:p>
+            <a:r>
+              <a:rPr lang="en-GB" sz="5000" cap="none" dirty="0">
+                <a:latin typeface="Times New Roman" panose="02020603050405020304" pitchFamily="18" charset="0"/>
+                <a:cs typeface="Times New Roman" panose="02020603050405020304" pitchFamily="18" charset="0"/>
+              </a:rPr>
+              <a:t>Project Description……</a:t>
+            </a:r>
+          </a:p>
+        </p:txBody>
+      </p:sp>
+      <p:pic>
+        <p:nvPicPr>
+          <p:cNvPr id="4" name="Picture 3">
+            <a:extLst>
+              <a:ext uri="{FF2B5EF4-FFF2-40B4-BE49-F238E27FC236}">
+                <a16:creationId xmlns:a16="http://schemas.microsoft.com/office/drawing/2014/main" id="{EAF12588-453A-4274-B37B-CDB800593160}"/>
+              </a:ext>
+            </a:extLst>
+          </p:cNvPr>
+          <p:cNvPicPr>
+            <a:picLocks noChangeAspect="1"/>
+          </p:cNvPicPr>
+          <p:nvPr/>
+        </p:nvPicPr>
+        <p:blipFill>
+          <a:blip r:embed="rId2"/>
+          <a:stretch>
+            <a:fillRect/>
+          </a:stretch>
+        </p:blipFill>
+        <p:spPr>
+          <a:xfrm>
+            <a:off x="1245704" y="1066799"/>
+            <a:ext cx="10190922" cy="5602095"/>
+          </a:xfrm>
+          <a:prstGeom prst="rect">
+            <a:avLst/>
+          </a:prstGeom>
+        </p:spPr>
+      </p:pic>
+    </p:spTree>
+    <p:extLst>
+      <p:ext uri="{BB962C8B-B14F-4D97-AF65-F5344CB8AC3E}">
+        <p14:creationId xmlns:p14="http://schemas.microsoft.com/office/powerpoint/2010/main" val="2844908783"/>
+      </p:ext>
+    </p:extLst>
+  </p:cSld>
+  <p:clrMapOvr>
+    <a:masterClrMapping/>
+  </p:clrMapOvr>
+  <mc:AlternateContent xmlns:mc="http://schemas.openxmlformats.org/markup-compatibility/2006">
+    <mc:Choice xmlns:p14="http://schemas.microsoft.com/office/powerpoint/2010/main" Requires="p14">
+      <p:transition spd="slow" p14:dur="1600">
+        <p14:gallery dir="l"/>
+      </p:transition>
+    </mc:Choice>
+    <mc:Fallback>
+      <p:transition spd="slow">
+        <p:fade/>
+      </p:transition>
+    </mc:Fallback>
+  </mc:AlternateContent>
+</p:sld>
+</file>
+
+<file path=ppt/slides/slide19.xml><?xml version="1.0" encoding="utf-8"?>
+<p:sld xmlns:a="http://schemas.openxmlformats.org/drawingml/2006/main" xmlns:r="http://schemas.openxmlformats.org/officeDocument/2006/relationships" xmlns:p="http://schemas.openxmlformats.org/presentationml/2006/main" showMasterSp="0">
+  <p:cSld>
+    <p:bg>
+      <p:bgPr>
+        <a:pattFill prst="pct5">
+          <a:fgClr>
+            <a:schemeClr val="accent1"/>
+          </a:fgClr>
+          <a:bgClr>
+            <a:schemeClr val="bg1"/>
+          </a:bgClr>
+        </a:pattFill>
+        <a:effectLst/>
+      </p:bgPr>
+    </p:bg>
+    <p:spTree>
+      <p:nvGrpSpPr>
+        <p:cNvPr id="1" name=""/>
+        <p:cNvGrpSpPr/>
+        <p:nvPr/>
+      </p:nvGrpSpPr>
+      <p:grpSpPr>
+        <a:xfrm>
+          <a:off x="0" y="0"/>
+          <a:ext cx="0" cy="0"/>
+          <a:chOff x="0" y="0"/>
+          <a:chExt cx="0" cy="0"/>
+        </a:xfrm>
+      </p:grpSpPr>
+      <p:sp>
+        <p:nvSpPr>
+          <p:cNvPr id="2" name="Title 1">
+            <a:extLst>
+              <a:ext uri="{FF2B5EF4-FFF2-40B4-BE49-F238E27FC236}">
+                <a16:creationId xmlns:a16="http://schemas.microsoft.com/office/drawing/2014/main" id="{6306CA3D-081F-43F5-B961-2B08C1AB8FD2}"/>
+              </a:ext>
+            </a:extLst>
+          </p:cNvPr>
+          <p:cNvSpPr>
+            <a:spLocks noGrp="1"/>
+          </p:cNvSpPr>
+          <p:nvPr>
+            <p:ph type="title"/>
+          </p:nvPr>
+        </p:nvSpPr>
+        <p:spPr>
+          <a:xfrm>
+            <a:off x="795130" y="128188"/>
+            <a:ext cx="10451064" cy="938611"/>
+          </a:xfrm>
+        </p:spPr>
+        <p:txBody>
+          <a:bodyPr>
+            <a:normAutofit/>
+          </a:bodyPr>
+          <a:lstStyle/>
+          <a:p>
+            <a:r>
+              <a:rPr lang="en-GB" sz="5000" cap="none" dirty="0">
+                <a:latin typeface="Times New Roman" panose="02020603050405020304" pitchFamily="18" charset="0"/>
+                <a:cs typeface="Times New Roman" panose="02020603050405020304" pitchFamily="18" charset="0"/>
+              </a:rPr>
+              <a:t>Project Description……</a:t>
+            </a:r>
+          </a:p>
+        </p:txBody>
+      </p:sp>
+      <p:pic>
+        <p:nvPicPr>
+          <p:cNvPr id="4" name="Picture 3">
+            <a:extLst>
+              <a:ext uri="{FF2B5EF4-FFF2-40B4-BE49-F238E27FC236}">
+                <a16:creationId xmlns:a16="http://schemas.microsoft.com/office/drawing/2014/main" id="{5CC19CB6-538F-438E-8711-21BCB7AA16B9}"/>
+              </a:ext>
+            </a:extLst>
+          </p:cNvPr>
+          <p:cNvPicPr>
+            <a:picLocks noChangeAspect="1"/>
+          </p:cNvPicPr>
+          <p:nvPr/>
+        </p:nvPicPr>
+        <p:blipFill>
+          <a:blip r:embed="rId2"/>
+          <a:stretch>
+            <a:fillRect/>
+          </a:stretch>
+        </p:blipFill>
+        <p:spPr>
+          <a:xfrm>
+            <a:off x="1232452" y="1066798"/>
+            <a:ext cx="10164418" cy="5597633"/>
+          </a:xfrm>
+          <a:prstGeom prst="rect">
+            <a:avLst/>
+          </a:prstGeom>
+        </p:spPr>
+      </p:pic>
+    </p:spTree>
+    <p:extLst>
+      <p:ext uri="{BB962C8B-B14F-4D97-AF65-F5344CB8AC3E}">
+        <p14:creationId xmlns:p14="http://schemas.microsoft.com/office/powerpoint/2010/main" val="993804297"/>
+      </p:ext>
+    </p:extLst>
+  </p:cSld>
+  <p:clrMapOvr>
+    <a:masterClrMapping/>
+  </p:clrMapOvr>
+  <mc:AlternateContent xmlns:mc="http://schemas.openxmlformats.org/markup-compatibility/2006">
+    <mc:Choice xmlns:p14="http://schemas.microsoft.com/office/powerpoint/2010/main" Requires="p14">
+      <p:transition spd="slow" p14:dur="1600">
+        <p14:gallery dir="l"/>
+      </p:transition>
+    </mc:Choice>
+    <mc:Fallback>
+      <p:transition spd="slow">
+        <p:fade/>
+      </p:transition>
+    </mc:Fallback>
+  </mc:AlternateContent>
 </p:sld>
 </file>
 
@@ -12947,8 +14162,8 @@
         </p:nvSpPr>
         <p:spPr>
           <a:xfrm>
-            <a:off x="1141413" y="618518"/>
-            <a:ext cx="7467010" cy="1478570"/>
+            <a:off x="1366700" y="202163"/>
+            <a:ext cx="7467010" cy="864636"/>
           </a:xfrm>
         </p:spPr>
         <p:txBody>
@@ -12958,29 +14173,25 @@
           <a:lstStyle/>
           <a:p>
             <a:r>
-              <a:rPr lang="en-US" sz="5000" b="1" cap="none" dirty="0" smtClean="0">
+              <a:rPr lang="en-US" sz="5000" b="1" cap="none" dirty="0">
                 <a:latin typeface="Times New Roman" panose="02020603050405020304" pitchFamily="18" charset="0"/>
                 <a:cs typeface="Times New Roman" panose="02020603050405020304" pitchFamily="18" charset="0"/>
               </a:rPr>
               <a:t>Project</a:t>
             </a:r>
             <a:r>
-              <a:rPr lang="en-US" sz="4400" cap="none" dirty="0" smtClean="0">
+              <a:rPr lang="en-US" sz="4400" cap="none" dirty="0">
                 <a:latin typeface="Rockwell" panose="02060603020205020403" pitchFamily="18" charset="0"/>
               </a:rPr>
               <a:t> </a:t>
             </a:r>
             <a:r>
-              <a:rPr lang="en-US" sz="5000" b="1" cap="none" dirty="0" smtClean="0">
+              <a:rPr lang="en-US" sz="5000" b="1" cap="none" dirty="0">
                 <a:latin typeface="Times New Roman" panose="02020603050405020304" pitchFamily="18" charset="0"/>
                 <a:cs typeface="Times New Roman" panose="02020603050405020304" pitchFamily="18" charset="0"/>
               </a:rPr>
               <a:t>Requirements……</a:t>
             </a:r>
-            <a:endParaRPr lang="en-US" sz="5000" b="1" cap="none" dirty="0">
-              <a:latin typeface="Times New Roman" panose="02020603050405020304" pitchFamily="18" charset="0"/>
-              <a:cs typeface="Times New Roman" panose="02020603050405020304" pitchFamily="18" charset="0"/>
-            </a:endParaRPr>
           </a:p>
         </p:txBody>
       </p:sp>
@@ -12994,20 +14205,232 @@
             <p:ph idx="1"/>
           </p:nvPr>
         </p:nvSpPr>
-        <p:spPr/>
+        <p:spPr>
+          <a:xfrm>
+            <a:off x="848139" y="1179442"/>
+            <a:ext cx="10508975" cy="4929809"/>
+          </a:xfrm>
+          <a:ln>
+            <a:noFill/>
+          </a:ln>
+        </p:spPr>
         <p:txBody>
-          <a:bodyPr/>
+          <a:bodyPr>
+            <a:normAutofit fontScale="92500" lnSpcReduction="10000"/>
+          </a:bodyPr>
           <a:lstStyle/>
           <a:p>
-            <a:pPr>
+            <a:pPr marL="0" indent="0">
+              <a:buNone/>
+            </a:pPr>
+            <a:r>
+              <a:rPr lang="en-US" sz="2200" dirty="0">
+                <a:latin typeface="Times New Roman" panose="02020603050405020304" pitchFamily="18" charset="0"/>
+                <a:cs typeface="Times New Roman" panose="02020603050405020304" pitchFamily="18" charset="0"/>
+              </a:rPr>
+              <a:t> </a:t>
+            </a:r>
+          </a:p>
+          <a:p>
+            <a:pPr marL="0" indent="0">
+              <a:buNone/>
+            </a:pPr>
+            <a:r>
+              <a:rPr lang="en-US" sz="2500" dirty="0">
+                <a:latin typeface="Times New Roman" panose="02020603050405020304" pitchFamily="18" charset="0"/>
+                <a:cs typeface="Times New Roman" panose="02020603050405020304" pitchFamily="18" charset="0"/>
+              </a:rPr>
+              <a:t>“Shuvo Tailor and Fabrics” wants to develop a desktop application where they can……</a:t>
+            </a:r>
+          </a:p>
+          <a:p>
+            <a:pPr lvl="1">
               <a:buFont typeface="Wingdings" panose="05000000000000000000" pitchFamily="2" charset="2"/>
               <a:buChar char="v"/>
             </a:pPr>
             <a:r>
-              <a:rPr lang="en-US" dirty="0" smtClean="0"/>
-              <a:t>Client wants a </a:t>
-            </a:r>
-            <a:endParaRPr lang="en-US" dirty="0"/>
+              <a:rPr lang="en-US" sz="1400" dirty="0">
+                <a:latin typeface="Times New Roman" panose="02020603050405020304" pitchFamily="18" charset="0"/>
+                <a:cs typeface="Times New Roman" panose="02020603050405020304" pitchFamily="18" charset="0"/>
+              </a:rPr>
+              <a:t> </a:t>
+            </a:r>
+            <a:r>
+              <a:rPr lang="en-US" sz="3000" dirty="0">
+                <a:latin typeface="Times New Roman" panose="02020603050405020304" pitchFamily="18" charset="0"/>
+                <a:cs typeface="Times New Roman" panose="02020603050405020304" pitchFamily="18" charset="0"/>
+              </a:rPr>
+              <a:t>A</a:t>
+            </a:r>
+            <a:r>
+              <a:rPr lang="en-US" dirty="0">
+                <a:latin typeface="Times New Roman" panose="02020603050405020304" pitchFamily="18" charset="0"/>
+                <a:cs typeface="Times New Roman" panose="02020603050405020304" pitchFamily="18" charset="0"/>
+              </a:rPr>
+              <a:t>dd &amp; update their different categories of product;</a:t>
+            </a:r>
+          </a:p>
+          <a:p>
+            <a:pPr lvl="2">
+              <a:buFont typeface="Wingdings" panose="05000000000000000000" pitchFamily="2" charset="2"/>
+              <a:buChar char="v"/>
+            </a:pPr>
+            <a:r>
+              <a:rPr lang="en-US" sz="2000" dirty="0">
+                <a:latin typeface="Times New Roman" panose="02020603050405020304" pitchFamily="18" charset="0"/>
+                <a:cs typeface="Times New Roman" panose="02020603050405020304" pitchFamily="18" charset="0"/>
+              </a:rPr>
+              <a:t> </a:t>
+            </a:r>
+            <a:r>
+              <a:rPr lang="en-US" sz="3000" dirty="0">
+                <a:latin typeface="Times New Roman" panose="02020603050405020304" pitchFamily="18" charset="0"/>
+                <a:cs typeface="Times New Roman" panose="02020603050405020304" pitchFamily="18" charset="0"/>
+              </a:rPr>
+              <a:t>K</a:t>
+            </a:r>
+            <a:r>
+              <a:rPr lang="en-US" sz="2000" dirty="0">
+                <a:latin typeface="Times New Roman" panose="02020603050405020304" pitchFamily="18" charset="0"/>
+                <a:cs typeface="Times New Roman" panose="02020603050405020304" pitchFamily="18" charset="0"/>
+              </a:rPr>
+              <a:t>eep a record of their clients information in details &amp; update  if needed;</a:t>
+            </a:r>
+          </a:p>
+          <a:p>
+            <a:pPr lvl="3">
+              <a:buFont typeface="Wingdings" panose="05000000000000000000" pitchFamily="2" charset="2"/>
+              <a:buChar char="v"/>
+            </a:pPr>
+            <a:r>
+              <a:rPr lang="en-US" sz="2000" dirty="0">
+                <a:latin typeface="Times New Roman" panose="02020603050405020304" pitchFamily="18" charset="0"/>
+                <a:cs typeface="Times New Roman" panose="02020603050405020304" pitchFamily="18" charset="0"/>
+              </a:rPr>
+              <a:t> </a:t>
+            </a:r>
+            <a:r>
+              <a:rPr lang="en-US" sz="3000" dirty="0">
+                <a:latin typeface="Times New Roman" panose="02020603050405020304" pitchFamily="18" charset="0"/>
+                <a:cs typeface="Times New Roman" panose="02020603050405020304" pitchFamily="18" charset="0"/>
+              </a:rPr>
+              <a:t>S</a:t>
+            </a:r>
+            <a:r>
+              <a:rPr lang="en-US" sz="2000" dirty="0">
+                <a:latin typeface="Times New Roman" panose="02020603050405020304" pitchFamily="18" charset="0"/>
+                <a:cs typeface="Times New Roman" panose="02020603050405020304" pitchFamily="18" charset="0"/>
+              </a:rPr>
+              <a:t>tore &amp; update body measurements of the clients for different categories of product;</a:t>
+            </a:r>
+          </a:p>
+          <a:p>
+            <a:pPr lvl="4">
+              <a:buFont typeface="Wingdings" panose="05000000000000000000" pitchFamily="2" charset="2"/>
+              <a:buChar char="v"/>
+            </a:pPr>
+            <a:r>
+              <a:rPr lang="en-US" sz="2000" dirty="0">
+                <a:latin typeface="Times New Roman" panose="02020603050405020304" pitchFamily="18" charset="0"/>
+                <a:cs typeface="Times New Roman" panose="02020603050405020304" pitchFamily="18" charset="0"/>
+              </a:rPr>
+              <a:t> </a:t>
+            </a:r>
+            <a:r>
+              <a:rPr lang="en-US" sz="3200" dirty="0">
+                <a:latin typeface="Times New Roman" panose="02020603050405020304" pitchFamily="18" charset="0"/>
+                <a:cs typeface="Times New Roman" panose="02020603050405020304" pitchFamily="18" charset="0"/>
+              </a:rPr>
+              <a:t>T</a:t>
+            </a:r>
+            <a:r>
+              <a:rPr lang="en-US" sz="2000" dirty="0">
+                <a:latin typeface="Times New Roman" panose="02020603050405020304" pitchFamily="18" charset="0"/>
+                <a:cs typeface="Times New Roman" panose="02020603050405020304" pitchFamily="18" charset="0"/>
+              </a:rPr>
+              <a:t>ake order digitally with an auto generated invoice;</a:t>
+            </a:r>
+          </a:p>
+          <a:p>
+            <a:pPr lvl="5">
+              <a:buFont typeface="Wingdings" panose="05000000000000000000" pitchFamily="2" charset="2"/>
+              <a:buChar char="v"/>
+            </a:pPr>
+            <a:r>
+              <a:rPr lang="en-US" sz="2000" dirty="0">
+                <a:latin typeface="Times New Roman" panose="02020603050405020304" pitchFamily="18" charset="0"/>
+                <a:cs typeface="Times New Roman" panose="02020603050405020304" pitchFamily="18" charset="0"/>
+              </a:rPr>
+              <a:t> </a:t>
+            </a:r>
+            <a:r>
+              <a:rPr lang="en-US" sz="3200" dirty="0">
+                <a:latin typeface="Times New Roman" panose="02020603050405020304" pitchFamily="18" charset="0"/>
+                <a:cs typeface="Times New Roman" panose="02020603050405020304" pitchFamily="18" charset="0"/>
+              </a:rPr>
+              <a:t>S</a:t>
+            </a:r>
+            <a:r>
+              <a:rPr lang="en-US" sz="2000" dirty="0">
+                <a:latin typeface="Times New Roman" panose="02020603050405020304" pitchFamily="18" charset="0"/>
+                <a:cs typeface="Times New Roman" panose="02020603050405020304" pitchFamily="18" charset="0"/>
+              </a:rPr>
+              <a:t>earch delivery date of an order by order id of that client;</a:t>
+            </a:r>
+          </a:p>
+          <a:p>
+            <a:pPr lvl="6">
+              <a:buFont typeface="Wingdings" panose="05000000000000000000" pitchFamily="2" charset="2"/>
+              <a:buChar char="v"/>
+            </a:pPr>
+            <a:r>
+              <a:rPr lang="en-US" sz="2000" dirty="0">
+                <a:latin typeface="Times New Roman" panose="02020603050405020304" pitchFamily="18" charset="0"/>
+                <a:cs typeface="Times New Roman" panose="02020603050405020304" pitchFamily="18" charset="0"/>
+              </a:rPr>
+              <a:t> </a:t>
+            </a:r>
+            <a:r>
+              <a:rPr lang="en-US" sz="3200" dirty="0">
+                <a:latin typeface="Times New Roman" panose="02020603050405020304" pitchFamily="18" charset="0"/>
+                <a:cs typeface="Times New Roman" panose="02020603050405020304" pitchFamily="18" charset="0"/>
+              </a:rPr>
+              <a:t>S</a:t>
+            </a:r>
+            <a:r>
+              <a:rPr lang="en-US" sz="2000" dirty="0">
+                <a:latin typeface="Times New Roman" panose="02020603050405020304" pitchFamily="18" charset="0"/>
+                <a:cs typeface="Times New Roman" panose="02020603050405020304" pitchFamily="18" charset="0"/>
+              </a:rPr>
+              <a:t>earch client details by mobile number or email address;</a:t>
+            </a:r>
+          </a:p>
+          <a:p>
+            <a:pPr lvl="7">
+              <a:buFont typeface="Wingdings" panose="05000000000000000000" pitchFamily="2" charset="2"/>
+              <a:buChar char="v"/>
+            </a:pPr>
+            <a:r>
+              <a:rPr lang="en-US" sz="2000" dirty="0">
+                <a:latin typeface="Times New Roman" panose="02020603050405020304" pitchFamily="18" charset="0"/>
+                <a:cs typeface="Times New Roman" panose="02020603050405020304" pitchFamily="18" charset="0"/>
+              </a:rPr>
+              <a:t> </a:t>
+            </a:r>
+            <a:r>
+              <a:rPr lang="en-US" sz="3200" dirty="0">
+                <a:latin typeface="Times New Roman" panose="02020603050405020304" pitchFamily="18" charset="0"/>
+                <a:cs typeface="Times New Roman" panose="02020603050405020304" pitchFamily="18" charset="0"/>
+              </a:rPr>
+              <a:t>V</a:t>
+            </a:r>
+            <a:r>
+              <a:rPr lang="en-US" sz="2000" dirty="0">
+                <a:latin typeface="Times New Roman" panose="02020603050405020304" pitchFamily="18" charset="0"/>
+                <a:cs typeface="Times New Roman" panose="02020603050405020304" pitchFamily="18" charset="0"/>
+              </a:rPr>
+              <a:t>iew their total order taken in an specific date.</a:t>
+            </a:r>
           </a:p>
         </p:txBody>
       </p:sp>
@@ -13021,13 +14444,837 @@
   <p:clrMapOvr>
     <a:masterClrMapping/>
   </p:clrMapOvr>
-  <p:timing>
-    <p:tnLst>
-      <p:par>
-        <p:cTn id="1" dur="indefinite" restart="never" nodeType="tmRoot"/>
-      </p:par>
-    </p:tnLst>
-  </p:timing>
+  <mc:AlternateContent xmlns:mc="http://schemas.openxmlformats.org/markup-compatibility/2006">
+    <mc:Choice xmlns:p14="http://schemas.microsoft.com/office/powerpoint/2010/main" Requires="p14">
+      <p:transition spd="slow" p14:dur="1600">
+        <p14:gallery dir="l"/>
+      </p:transition>
+    </mc:Choice>
+    <mc:Fallback>
+      <p:transition spd="slow">
+        <p:fade/>
+      </p:transition>
+    </mc:Fallback>
+  </mc:AlternateContent>
+</p:sld>
+</file>
+
+<file path=ppt/slides/slide20.xml><?xml version="1.0" encoding="utf-8"?>
+<p:sld xmlns:a="http://schemas.openxmlformats.org/drawingml/2006/main" xmlns:r="http://schemas.openxmlformats.org/officeDocument/2006/relationships" xmlns:p="http://schemas.openxmlformats.org/presentationml/2006/main" showMasterSp="0">
+  <p:cSld>
+    <p:bg>
+      <p:bgPr>
+        <a:pattFill prst="pct5">
+          <a:fgClr>
+            <a:schemeClr val="accent1"/>
+          </a:fgClr>
+          <a:bgClr>
+            <a:schemeClr val="bg1"/>
+          </a:bgClr>
+        </a:pattFill>
+        <a:effectLst/>
+      </p:bgPr>
+    </p:bg>
+    <p:spTree>
+      <p:nvGrpSpPr>
+        <p:cNvPr id="1" name=""/>
+        <p:cNvGrpSpPr/>
+        <p:nvPr/>
+      </p:nvGrpSpPr>
+      <p:grpSpPr>
+        <a:xfrm>
+          <a:off x="0" y="0"/>
+          <a:ext cx="0" cy="0"/>
+          <a:chOff x="0" y="0"/>
+          <a:chExt cx="0" cy="0"/>
+        </a:xfrm>
+      </p:grpSpPr>
+      <p:sp>
+        <p:nvSpPr>
+          <p:cNvPr id="2" name="Title 1">
+            <a:extLst>
+              <a:ext uri="{FF2B5EF4-FFF2-40B4-BE49-F238E27FC236}">
+                <a16:creationId xmlns:a16="http://schemas.microsoft.com/office/drawing/2014/main" id="{6306CA3D-081F-43F5-B961-2B08C1AB8FD2}"/>
+              </a:ext>
+            </a:extLst>
+          </p:cNvPr>
+          <p:cNvSpPr>
+            <a:spLocks noGrp="1"/>
+          </p:cNvSpPr>
+          <p:nvPr>
+            <p:ph type="title"/>
+          </p:nvPr>
+        </p:nvSpPr>
+        <p:spPr>
+          <a:xfrm>
+            <a:off x="808383" y="128188"/>
+            <a:ext cx="10437811" cy="938611"/>
+          </a:xfrm>
+        </p:spPr>
+        <p:txBody>
+          <a:bodyPr>
+            <a:normAutofit/>
+          </a:bodyPr>
+          <a:lstStyle/>
+          <a:p>
+            <a:r>
+              <a:rPr lang="en-GB" sz="5000" cap="none" dirty="0">
+                <a:latin typeface="Times New Roman" panose="02020603050405020304" pitchFamily="18" charset="0"/>
+                <a:cs typeface="Times New Roman" panose="02020603050405020304" pitchFamily="18" charset="0"/>
+              </a:rPr>
+              <a:t>Project Description……</a:t>
+            </a:r>
+          </a:p>
+        </p:txBody>
+      </p:sp>
+      <p:pic>
+        <p:nvPicPr>
+          <p:cNvPr id="4" name="Picture 3">
+            <a:extLst>
+              <a:ext uri="{FF2B5EF4-FFF2-40B4-BE49-F238E27FC236}">
+                <a16:creationId xmlns:a16="http://schemas.microsoft.com/office/drawing/2014/main" id="{C3A7935C-D8FA-4291-A771-37BA22C82D6A}"/>
+              </a:ext>
+            </a:extLst>
+          </p:cNvPr>
+          <p:cNvPicPr>
+            <a:picLocks noChangeAspect="1"/>
+          </p:cNvPicPr>
+          <p:nvPr/>
+        </p:nvPicPr>
+        <p:blipFill>
+          <a:blip r:embed="rId2"/>
+          <a:stretch>
+            <a:fillRect/>
+          </a:stretch>
+        </p:blipFill>
+        <p:spPr>
+          <a:xfrm>
+            <a:off x="1245704" y="967409"/>
+            <a:ext cx="10137913" cy="5701485"/>
+          </a:xfrm>
+          <a:prstGeom prst="rect">
+            <a:avLst/>
+          </a:prstGeom>
+        </p:spPr>
+      </p:pic>
+    </p:spTree>
+    <p:extLst>
+      <p:ext uri="{BB962C8B-B14F-4D97-AF65-F5344CB8AC3E}">
+        <p14:creationId xmlns:p14="http://schemas.microsoft.com/office/powerpoint/2010/main" val="3560970557"/>
+      </p:ext>
+    </p:extLst>
+  </p:cSld>
+  <p:clrMapOvr>
+    <a:masterClrMapping/>
+  </p:clrMapOvr>
+  <mc:AlternateContent xmlns:mc="http://schemas.openxmlformats.org/markup-compatibility/2006">
+    <mc:Choice xmlns:p14="http://schemas.microsoft.com/office/powerpoint/2010/main" Requires="p14">
+      <p:transition spd="slow" p14:dur="1600">
+        <p14:gallery dir="l"/>
+      </p:transition>
+    </mc:Choice>
+    <mc:Fallback>
+      <p:transition spd="slow">
+        <p:fade/>
+      </p:transition>
+    </mc:Fallback>
+  </mc:AlternateContent>
+</p:sld>
+</file>
+
+<file path=ppt/slides/slide21.xml><?xml version="1.0" encoding="utf-8"?>
+<p:sld xmlns:a="http://schemas.openxmlformats.org/drawingml/2006/main" xmlns:r="http://schemas.openxmlformats.org/officeDocument/2006/relationships" xmlns:p="http://schemas.openxmlformats.org/presentationml/2006/main" showMasterSp="0">
+  <p:cSld>
+    <p:bg>
+      <p:bgPr>
+        <a:pattFill prst="pct5">
+          <a:fgClr>
+            <a:schemeClr val="accent1"/>
+          </a:fgClr>
+          <a:bgClr>
+            <a:schemeClr val="bg1"/>
+          </a:bgClr>
+        </a:pattFill>
+        <a:effectLst/>
+      </p:bgPr>
+    </p:bg>
+    <p:spTree>
+      <p:nvGrpSpPr>
+        <p:cNvPr id="1" name=""/>
+        <p:cNvGrpSpPr/>
+        <p:nvPr/>
+      </p:nvGrpSpPr>
+      <p:grpSpPr>
+        <a:xfrm>
+          <a:off x="0" y="0"/>
+          <a:ext cx="0" cy="0"/>
+          <a:chOff x="0" y="0"/>
+          <a:chExt cx="0" cy="0"/>
+        </a:xfrm>
+      </p:grpSpPr>
+      <p:sp>
+        <p:nvSpPr>
+          <p:cNvPr id="2" name="Title 1">
+            <a:extLst>
+              <a:ext uri="{FF2B5EF4-FFF2-40B4-BE49-F238E27FC236}">
+                <a16:creationId xmlns:a16="http://schemas.microsoft.com/office/drawing/2014/main" id="{6306CA3D-081F-43F5-B961-2B08C1AB8FD2}"/>
+              </a:ext>
+            </a:extLst>
+          </p:cNvPr>
+          <p:cNvSpPr>
+            <a:spLocks noGrp="1"/>
+          </p:cNvSpPr>
+          <p:nvPr>
+            <p:ph type="title"/>
+          </p:nvPr>
+        </p:nvSpPr>
+        <p:spPr>
+          <a:xfrm>
+            <a:off x="821635" y="128188"/>
+            <a:ext cx="10424559" cy="938611"/>
+          </a:xfrm>
+        </p:spPr>
+        <p:txBody>
+          <a:bodyPr>
+            <a:normAutofit/>
+          </a:bodyPr>
+          <a:lstStyle/>
+          <a:p>
+            <a:r>
+              <a:rPr lang="en-GB" sz="5000" cap="none" dirty="0">
+                <a:latin typeface="Times New Roman" panose="02020603050405020304" pitchFamily="18" charset="0"/>
+                <a:cs typeface="Times New Roman" panose="02020603050405020304" pitchFamily="18" charset="0"/>
+              </a:rPr>
+              <a:t>Project Description……</a:t>
+            </a:r>
+          </a:p>
+        </p:txBody>
+      </p:sp>
+      <p:pic>
+        <p:nvPicPr>
+          <p:cNvPr id="4" name="Picture 3">
+            <a:extLst>
+              <a:ext uri="{FF2B5EF4-FFF2-40B4-BE49-F238E27FC236}">
+                <a16:creationId xmlns:a16="http://schemas.microsoft.com/office/drawing/2014/main" id="{F3DA2424-03BD-4DB2-92BA-BFE0688C7031}"/>
+              </a:ext>
+            </a:extLst>
+          </p:cNvPr>
+          <p:cNvPicPr>
+            <a:picLocks noChangeAspect="1"/>
+          </p:cNvPicPr>
+          <p:nvPr/>
+        </p:nvPicPr>
+        <p:blipFill>
+          <a:blip r:embed="rId2"/>
+          <a:stretch>
+            <a:fillRect/>
+          </a:stretch>
+        </p:blipFill>
+        <p:spPr>
+          <a:xfrm>
+            <a:off x="1232452" y="1066798"/>
+            <a:ext cx="10137913" cy="5597633"/>
+          </a:xfrm>
+          <a:prstGeom prst="rect">
+            <a:avLst/>
+          </a:prstGeom>
+        </p:spPr>
+      </p:pic>
+    </p:spTree>
+    <p:extLst>
+      <p:ext uri="{BB962C8B-B14F-4D97-AF65-F5344CB8AC3E}">
+        <p14:creationId xmlns:p14="http://schemas.microsoft.com/office/powerpoint/2010/main" val="2795759698"/>
+      </p:ext>
+    </p:extLst>
+  </p:cSld>
+  <p:clrMapOvr>
+    <a:masterClrMapping/>
+  </p:clrMapOvr>
+  <mc:AlternateContent xmlns:mc="http://schemas.openxmlformats.org/markup-compatibility/2006">
+    <mc:Choice xmlns:p14="http://schemas.microsoft.com/office/powerpoint/2010/main" Requires="p14">
+      <p:transition spd="slow" p14:dur="1600">
+        <p14:gallery dir="l"/>
+      </p:transition>
+    </mc:Choice>
+    <mc:Fallback>
+      <p:transition spd="slow">
+        <p:fade/>
+      </p:transition>
+    </mc:Fallback>
+  </mc:AlternateContent>
+</p:sld>
+</file>
+
+<file path=ppt/slides/slide22.xml><?xml version="1.0" encoding="utf-8"?>
+<p:sld xmlns:a="http://schemas.openxmlformats.org/drawingml/2006/main" xmlns:r="http://schemas.openxmlformats.org/officeDocument/2006/relationships" xmlns:p="http://schemas.openxmlformats.org/presentationml/2006/main" showMasterSp="0">
+  <p:cSld>
+    <p:bg>
+      <p:bgPr>
+        <a:pattFill prst="pct5">
+          <a:fgClr>
+            <a:schemeClr val="accent1"/>
+          </a:fgClr>
+          <a:bgClr>
+            <a:schemeClr val="bg1"/>
+          </a:bgClr>
+        </a:pattFill>
+        <a:effectLst/>
+      </p:bgPr>
+    </p:bg>
+    <p:spTree>
+      <p:nvGrpSpPr>
+        <p:cNvPr id="1" name=""/>
+        <p:cNvGrpSpPr/>
+        <p:nvPr/>
+      </p:nvGrpSpPr>
+      <p:grpSpPr>
+        <a:xfrm>
+          <a:off x="0" y="0"/>
+          <a:ext cx="0" cy="0"/>
+          <a:chOff x="0" y="0"/>
+          <a:chExt cx="0" cy="0"/>
+        </a:xfrm>
+      </p:grpSpPr>
+      <p:sp>
+        <p:nvSpPr>
+          <p:cNvPr id="2" name="Title 1">
+            <a:extLst>
+              <a:ext uri="{FF2B5EF4-FFF2-40B4-BE49-F238E27FC236}">
+                <a16:creationId xmlns:a16="http://schemas.microsoft.com/office/drawing/2014/main" id="{6306CA3D-081F-43F5-B961-2B08C1AB8FD2}"/>
+              </a:ext>
+            </a:extLst>
+          </p:cNvPr>
+          <p:cNvSpPr>
+            <a:spLocks noGrp="1"/>
+          </p:cNvSpPr>
+          <p:nvPr>
+            <p:ph type="title"/>
+          </p:nvPr>
+        </p:nvSpPr>
+        <p:spPr>
+          <a:xfrm>
+            <a:off x="795130" y="128188"/>
+            <a:ext cx="10451064" cy="938611"/>
+          </a:xfrm>
+        </p:spPr>
+        <p:txBody>
+          <a:bodyPr>
+            <a:normAutofit/>
+          </a:bodyPr>
+          <a:lstStyle/>
+          <a:p>
+            <a:r>
+              <a:rPr lang="en-GB" sz="5000" cap="none" dirty="0">
+                <a:latin typeface="Times New Roman" panose="02020603050405020304" pitchFamily="18" charset="0"/>
+                <a:cs typeface="Times New Roman" panose="02020603050405020304" pitchFamily="18" charset="0"/>
+              </a:rPr>
+              <a:t>Project Description……</a:t>
+            </a:r>
+          </a:p>
+        </p:txBody>
+      </p:sp>
+      <p:pic>
+        <p:nvPicPr>
+          <p:cNvPr id="4" name="Picture 3">
+            <a:extLst>
+              <a:ext uri="{FF2B5EF4-FFF2-40B4-BE49-F238E27FC236}">
+                <a16:creationId xmlns:a16="http://schemas.microsoft.com/office/drawing/2014/main" id="{C4B40FC9-C7B1-4EC5-AD7D-79FF10E694B1}"/>
+              </a:ext>
+            </a:extLst>
+          </p:cNvPr>
+          <p:cNvPicPr>
+            <a:picLocks noChangeAspect="1"/>
+          </p:cNvPicPr>
+          <p:nvPr/>
+        </p:nvPicPr>
+        <p:blipFill>
+          <a:blip r:embed="rId2"/>
+          <a:stretch>
+            <a:fillRect/>
+          </a:stretch>
+        </p:blipFill>
+        <p:spPr>
+          <a:xfrm>
+            <a:off x="1245704" y="1066799"/>
+            <a:ext cx="10151166" cy="5602095"/>
+          </a:xfrm>
+          <a:prstGeom prst="rect">
+            <a:avLst/>
+          </a:prstGeom>
+        </p:spPr>
+      </p:pic>
+    </p:spTree>
+    <p:extLst>
+      <p:ext uri="{BB962C8B-B14F-4D97-AF65-F5344CB8AC3E}">
+        <p14:creationId xmlns:p14="http://schemas.microsoft.com/office/powerpoint/2010/main" val="3830434656"/>
+      </p:ext>
+    </p:extLst>
+  </p:cSld>
+  <p:clrMapOvr>
+    <a:masterClrMapping/>
+  </p:clrMapOvr>
+  <mc:AlternateContent xmlns:mc="http://schemas.openxmlformats.org/markup-compatibility/2006">
+    <mc:Choice xmlns:p14="http://schemas.microsoft.com/office/powerpoint/2010/main" Requires="p14">
+      <p:transition spd="slow" p14:dur="1600">
+        <p14:gallery dir="l"/>
+      </p:transition>
+    </mc:Choice>
+    <mc:Fallback>
+      <p:transition spd="slow">
+        <p:fade/>
+      </p:transition>
+    </mc:Fallback>
+  </mc:AlternateContent>
+</p:sld>
+</file>
+
+<file path=ppt/slides/slide23.xml><?xml version="1.0" encoding="utf-8"?>
+<p:sld xmlns:a="http://schemas.openxmlformats.org/drawingml/2006/main" xmlns:r="http://schemas.openxmlformats.org/officeDocument/2006/relationships" xmlns:p="http://schemas.openxmlformats.org/presentationml/2006/main" showMasterSp="0">
+  <p:cSld>
+    <p:bg>
+      <p:bgPr>
+        <a:pattFill prst="pct5">
+          <a:fgClr>
+            <a:schemeClr val="accent1"/>
+          </a:fgClr>
+          <a:bgClr>
+            <a:schemeClr val="bg1"/>
+          </a:bgClr>
+        </a:pattFill>
+        <a:effectLst/>
+      </p:bgPr>
+    </p:bg>
+    <p:spTree>
+      <p:nvGrpSpPr>
+        <p:cNvPr id="1" name=""/>
+        <p:cNvGrpSpPr/>
+        <p:nvPr/>
+      </p:nvGrpSpPr>
+      <p:grpSpPr>
+        <a:xfrm>
+          <a:off x="0" y="0"/>
+          <a:ext cx="0" cy="0"/>
+          <a:chOff x="0" y="0"/>
+          <a:chExt cx="0" cy="0"/>
+        </a:xfrm>
+      </p:grpSpPr>
+      <p:sp>
+        <p:nvSpPr>
+          <p:cNvPr id="2" name="Title 1">
+            <a:extLst>
+              <a:ext uri="{FF2B5EF4-FFF2-40B4-BE49-F238E27FC236}">
+                <a16:creationId xmlns:a16="http://schemas.microsoft.com/office/drawing/2014/main" id="{6306CA3D-081F-43F5-B961-2B08C1AB8FD2}"/>
+              </a:ext>
+            </a:extLst>
+          </p:cNvPr>
+          <p:cNvSpPr>
+            <a:spLocks noGrp="1"/>
+          </p:cNvSpPr>
+          <p:nvPr>
+            <p:ph type="title"/>
+          </p:nvPr>
+        </p:nvSpPr>
+        <p:spPr>
+          <a:xfrm>
+            <a:off x="808383" y="128188"/>
+            <a:ext cx="10437811" cy="938611"/>
+          </a:xfrm>
+        </p:spPr>
+        <p:txBody>
+          <a:bodyPr>
+            <a:normAutofit/>
+          </a:bodyPr>
+          <a:lstStyle/>
+          <a:p>
+            <a:r>
+              <a:rPr lang="en-GB" sz="5000" cap="none" dirty="0">
+                <a:latin typeface="Times New Roman" panose="02020603050405020304" pitchFamily="18" charset="0"/>
+                <a:cs typeface="Times New Roman" panose="02020603050405020304" pitchFamily="18" charset="0"/>
+              </a:rPr>
+              <a:t>Project Description……</a:t>
+            </a:r>
+          </a:p>
+        </p:txBody>
+      </p:sp>
+      <p:pic>
+        <p:nvPicPr>
+          <p:cNvPr id="4" name="Picture 3">
+            <a:extLst>
+              <a:ext uri="{FF2B5EF4-FFF2-40B4-BE49-F238E27FC236}">
+                <a16:creationId xmlns:a16="http://schemas.microsoft.com/office/drawing/2014/main" id="{AC8AF53E-557B-408A-A2B7-5CB8CBB6B1A4}"/>
+              </a:ext>
+            </a:extLst>
+          </p:cNvPr>
+          <p:cNvPicPr>
+            <a:picLocks noChangeAspect="1"/>
+          </p:cNvPicPr>
+          <p:nvPr/>
+        </p:nvPicPr>
+        <p:blipFill>
+          <a:blip r:embed="rId2"/>
+          <a:stretch>
+            <a:fillRect/>
+          </a:stretch>
+        </p:blipFill>
+        <p:spPr>
+          <a:xfrm>
+            <a:off x="1232452" y="1066799"/>
+            <a:ext cx="10151165" cy="5602095"/>
+          </a:xfrm>
+          <a:prstGeom prst="rect">
+            <a:avLst/>
+          </a:prstGeom>
+        </p:spPr>
+      </p:pic>
+    </p:spTree>
+    <p:extLst>
+      <p:ext uri="{BB962C8B-B14F-4D97-AF65-F5344CB8AC3E}">
+        <p14:creationId xmlns:p14="http://schemas.microsoft.com/office/powerpoint/2010/main" val="2643410160"/>
+      </p:ext>
+    </p:extLst>
+  </p:cSld>
+  <p:clrMapOvr>
+    <a:masterClrMapping/>
+  </p:clrMapOvr>
+  <mc:AlternateContent xmlns:mc="http://schemas.openxmlformats.org/markup-compatibility/2006">
+    <mc:Choice xmlns:p14="http://schemas.microsoft.com/office/powerpoint/2010/main" Requires="p14">
+      <p:transition spd="slow" p14:dur="1600">
+        <p14:gallery dir="l"/>
+      </p:transition>
+    </mc:Choice>
+    <mc:Fallback>
+      <p:transition spd="slow">
+        <p:fade/>
+      </p:transition>
+    </mc:Fallback>
+  </mc:AlternateContent>
+</p:sld>
+</file>
+
+<file path=ppt/slides/slide24.xml><?xml version="1.0" encoding="utf-8"?>
+<p:sld xmlns:a="http://schemas.openxmlformats.org/drawingml/2006/main" xmlns:r="http://schemas.openxmlformats.org/officeDocument/2006/relationships" xmlns:p="http://schemas.openxmlformats.org/presentationml/2006/main" showMasterSp="0">
+  <p:cSld>
+    <p:bg>
+      <p:bgPr>
+        <a:pattFill prst="pct5">
+          <a:fgClr>
+            <a:schemeClr val="accent1"/>
+          </a:fgClr>
+          <a:bgClr>
+            <a:schemeClr val="bg1"/>
+          </a:bgClr>
+        </a:pattFill>
+        <a:effectLst/>
+      </p:bgPr>
+    </p:bg>
+    <p:spTree>
+      <p:nvGrpSpPr>
+        <p:cNvPr id="1" name=""/>
+        <p:cNvGrpSpPr/>
+        <p:nvPr/>
+      </p:nvGrpSpPr>
+      <p:grpSpPr>
+        <a:xfrm>
+          <a:off x="0" y="0"/>
+          <a:ext cx="0" cy="0"/>
+          <a:chOff x="0" y="0"/>
+          <a:chExt cx="0" cy="0"/>
+        </a:xfrm>
+      </p:grpSpPr>
+      <p:sp>
+        <p:nvSpPr>
+          <p:cNvPr id="2" name="Title 1">
+            <a:extLst>
+              <a:ext uri="{FF2B5EF4-FFF2-40B4-BE49-F238E27FC236}">
+                <a16:creationId xmlns:a16="http://schemas.microsoft.com/office/drawing/2014/main" id="{6306CA3D-081F-43F5-B961-2B08C1AB8FD2}"/>
+              </a:ext>
+            </a:extLst>
+          </p:cNvPr>
+          <p:cNvSpPr>
+            <a:spLocks noGrp="1"/>
+          </p:cNvSpPr>
+          <p:nvPr>
+            <p:ph type="title"/>
+          </p:nvPr>
+        </p:nvSpPr>
+        <p:spPr>
+          <a:xfrm>
+            <a:off x="795130" y="128188"/>
+            <a:ext cx="10451064" cy="938611"/>
+          </a:xfrm>
+        </p:spPr>
+        <p:txBody>
+          <a:bodyPr>
+            <a:normAutofit/>
+          </a:bodyPr>
+          <a:lstStyle/>
+          <a:p>
+            <a:r>
+              <a:rPr lang="en-GB" sz="5000" cap="none" dirty="0">
+                <a:latin typeface="Times New Roman" panose="02020603050405020304" pitchFamily="18" charset="0"/>
+                <a:cs typeface="Times New Roman" panose="02020603050405020304" pitchFamily="18" charset="0"/>
+              </a:rPr>
+              <a:t>Project Description……</a:t>
+            </a:r>
+          </a:p>
+        </p:txBody>
+      </p:sp>
+      <p:pic>
+        <p:nvPicPr>
+          <p:cNvPr id="4" name="Picture 3">
+            <a:extLst>
+              <a:ext uri="{FF2B5EF4-FFF2-40B4-BE49-F238E27FC236}">
+                <a16:creationId xmlns:a16="http://schemas.microsoft.com/office/drawing/2014/main" id="{AC82945B-BF82-43B4-B01D-E82BCD61F259}"/>
+              </a:ext>
+            </a:extLst>
+          </p:cNvPr>
+          <p:cNvPicPr>
+            <a:picLocks noChangeAspect="1"/>
+          </p:cNvPicPr>
+          <p:nvPr/>
+        </p:nvPicPr>
+        <p:blipFill>
+          <a:blip r:embed="rId2"/>
+          <a:stretch>
+            <a:fillRect/>
+          </a:stretch>
+        </p:blipFill>
+        <p:spPr>
+          <a:xfrm>
+            <a:off x="1245704" y="1066799"/>
+            <a:ext cx="10151166" cy="5602095"/>
+          </a:xfrm>
+          <a:prstGeom prst="rect">
+            <a:avLst/>
+          </a:prstGeom>
+        </p:spPr>
+      </p:pic>
+    </p:spTree>
+    <p:extLst>
+      <p:ext uri="{BB962C8B-B14F-4D97-AF65-F5344CB8AC3E}">
+        <p14:creationId xmlns:p14="http://schemas.microsoft.com/office/powerpoint/2010/main" val="1800963802"/>
+      </p:ext>
+    </p:extLst>
+  </p:cSld>
+  <p:clrMapOvr>
+    <a:masterClrMapping/>
+  </p:clrMapOvr>
+  <mc:AlternateContent xmlns:mc="http://schemas.openxmlformats.org/markup-compatibility/2006">
+    <mc:Choice xmlns:p14="http://schemas.microsoft.com/office/powerpoint/2010/main" Requires="p14">
+      <p:transition spd="slow" p14:dur="1600">
+        <p14:gallery dir="l"/>
+      </p:transition>
+    </mc:Choice>
+    <mc:Fallback>
+      <p:transition spd="slow">
+        <p:fade/>
+      </p:transition>
+    </mc:Fallback>
+  </mc:AlternateContent>
+</p:sld>
+</file>
+
+<file path=ppt/slides/slide25.xml><?xml version="1.0" encoding="utf-8"?>
+<p:sld xmlns:a="http://schemas.openxmlformats.org/drawingml/2006/main" xmlns:r="http://schemas.openxmlformats.org/officeDocument/2006/relationships" xmlns:p="http://schemas.openxmlformats.org/presentationml/2006/main" showMasterSp="0">
+  <p:cSld>
+    <p:bg>
+      <p:bgPr>
+        <a:pattFill prst="pct5">
+          <a:fgClr>
+            <a:schemeClr val="accent1"/>
+          </a:fgClr>
+          <a:bgClr>
+            <a:schemeClr val="bg1"/>
+          </a:bgClr>
+        </a:pattFill>
+        <a:effectLst/>
+      </p:bgPr>
+    </p:bg>
+    <p:spTree>
+      <p:nvGrpSpPr>
+        <p:cNvPr id="1" name=""/>
+        <p:cNvGrpSpPr/>
+        <p:nvPr/>
+      </p:nvGrpSpPr>
+      <p:grpSpPr>
+        <a:xfrm>
+          <a:off x="0" y="0"/>
+          <a:ext cx="0" cy="0"/>
+          <a:chOff x="0" y="0"/>
+          <a:chExt cx="0" cy="0"/>
+        </a:xfrm>
+      </p:grpSpPr>
+      <p:sp>
+        <p:nvSpPr>
+          <p:cNvPr id="2" name="Title 1">
+            <a:extLst>
+              <a:ext uri="{FF2B5EF4-FFF2-40B4-BE49-F238E27FC236}">
+                <a16:creationId xmlns:a16="http://schemas.microsoft.com/office/drawing/2014/main" id="{6306CA3D-081F-43F5-B961-2B08C1AB8FD2}"/>
+              </a:ext>
+            </a:extLst>
+          </p:cNvPr>
+          <p:cNvSpPr>
+            <a:spLocks noGrp="1"/>
+          </p:cNvSpPr>
+          <p:nvPr>
+            <p:ph type="title"/>
+          </p:nvPr>
+        </p:nvSpPr>
+        <p:spPr>
+          <a:xfrm>
+            <a:off x="795130" y="128188"/>
+            <a:ext cx="10451064" cy="938611"/>
+          </a:xfrm>
+        </p:spPr>
+        <p:txBody>
+          <a:bodyPr>
+            <a:normAutofit/>
+          </a:bodyPr>
+          <a:lstStyle/>
+          <a:p>
+            <a:r>
+              <a:rPr lang="en-GB" sz="5000" cap="none" dirty="0">
+                <a:latin typeface="Times New Roman" panose="02020603050405020304" pitchFamily="18" charset="0"/>
+                <a:cs typeface="Times New Roman" panose="02020603050405020304" pitchFamily="18" charset="0"/>
+              </a:rPr>
+              <a:t>Project Description……</a:t>
+            </a:r>
+          </a:p>
+        </p:txBody>
+      </p:sp>
+      <p:pic>
+        <p:nvPicPr>
+          <p:cNvPr id="4" name="Picture 3">
+            <a:extLst>
+              <a:ext uri="{FF2B5EF4-FFF2-40B4-BE49-F238E27FC236}">
+                <a16:creationId xmlns:a16="http://schemas.microsoft.com/office/drawing/2014/main" id="{358EB91B-028B-4EB2-8B20-0408AC75C378}"/>
+              </a:ext>
+            </a:extLst>
+          </p:cNvPr>
+          <p:cNvPicPr>
+            <a:picLocks noChangeAspect="1"/>
+          </p:cNvPicPr>
+          <p:nvPr/>
+        </p:nvPicPr>
+        <p:blipFill>
+          <a:blip r:embed="rId2"/>
+          <a:stretch>
+            <a:fillRect/>
+          </a:stretch>
+        </p:blipFill>
+        <p:spPr>
+          <a:xfrm>
+            <a:off x="1232452" y="1066798"/>
+            <a:ext cx="10164418" cy="5611021"/>
+          </a:xfrm>
+          <a:prstGeom prst="rect">
+            <a:avLst/>
+          </a:prstGeom>
+        </p:spPr>
+      </p:pic>
+    </p:spTree>
+    <p:extLst>
+      <p:ext uri="{BB962C8B-B14F-4D97-AF65-F5344CB8AC3E}">
+        <p14:creationId xmlns:p14="http://schemas.microsoft.com/office/powerpoint/2010/main" val="2154566460"/>
+      </p:ext>
+    </p:extLst>
+  </p:cSld>
+  <p:clrMapOvr>
+    <a:masterClrMapping/>
+  </p:clrMapOvr>
+  <mc:AlternateContent xmlns:mc="http://schemas.openxmlformats.org/markup-compatibility/2006">
+    <mc:Choice xmlns:p14="http://schemas.microsoft.com/office/powerpoint/2010/main" Requires="p14">
+      <p:transition spd="slow" p14:dur="1600">
+        <p14:gallery dir="l"/>
+      </p:transition>
+    </mc:Choice>
+    <mc:Fallback>
+      <p:transition spd="slow">
+        <p:fade/>
+      </p:transition>
+    </mc:Fallback>
+  </mc:AlternateContent>
+</p:sld>
+</file>
+
+<file path=ppt/slides/slide26.xml><?xml version="1.0" encoding="utf-8"?>
+<p:sld xmlns:a="http://schemas.openxmlformats.org/drawingml/2006/main" xmlns:r="http://schemas.openxmlformats.org/officeDocument/2006/relationships" xmlns:p="http://schemas.openxmlformats.org/presentationml/2006/main">
+  <p:cSld>
+    <p:spTree>
+      <p:nvGrpSpPr>
+        <p:cNvPr id="1" name=""/>
+        <p:cNvGrpSpPr/>
+        <p:nvPr/>
+      </p:nvGrpSpPr>
+      <p:grpSpPr>
+        <a:xfrm>
+          <a:off x="0" y="0"/>
+          <a:ext cx="0" cy="0"/>
+          <a:chOff x="0" y="0"/>
+          <a:chExt cx="0" cy="0"/>
+        </a:xfrm>
+      </p:grpSpPr>
+      <p:sp>
+        <p:nvSpPr>
+          <p:cNvPr id="2" name="Title 1">
+            <a:extLst>
+              <a:ext uri="{FF2B5EF4-FFF2-40B4-BE49-F238E27FC236}">
+                <a16:creationId xmlns:a16="http://schemas.microsoft.com/office/drawing/2014/main" id="{34DB6CE4-2B13-4715-B5B2-615A55922CA1}"/>
+              </a:ext>
+            </a:extLst>
+          </p:cNvPr>
+          <p:cNvSpPr>
+            <a:spLocks noGrp="1"/>
+          </p:cNvSpPr>
+          <p:nvPr>
+            <p:ph type="title"/>
+          </p:nvPr>
+        </p:nvSpPr>
+        <p:spPr>
+          <a:xfrm>
+            <a:off x="1143001" y="703385"/>
+            <a:ext cx="9905998" cy="5359789"/>
+          </a:xfrm>
+        </p:spPr>
+        <p:txBody>
+          <a:bodyPr>
+            <a:normAutofit/>
+          </a:bodyPr>
+          <a:lstStyle/>
+          <a:p>
+            <a:pPr algn="ctr"/>
+            <a:r>
+              <a:rPr lang="en-US" sz="5000" cap="none" dirty="0">
+                <a:latin typeface="Times New Roman" panose="02020603050405020304" pitchFamily="18" charset="0"/>
+                <a:cs typeface="Times New Roman" panose="02020603050405020304" pitchFamily="18" charset="0"/>
+              </a:rPr>
+              <a:t>Thank You for Watching !!</a:t>
+            </a:r>
+          </a:p>
+        </p:txBody>
+      </p:sp>
+    </p:spTree>
+    <p:extLst>
+      <p:ext uri="{BB962C8B-B14F-4D97-AF65-F5344CB8AC3E}">
+        <p14:creationId xmlns:p14="http://schemas.microsoft.com/office/powerpoint/2010/main" val="4189024688"/>
+      </p:ext>
+    </p:extLst>
+  </p:cSld>
+  <p:clrMapOvr>
+    <a:masterClrMapping/>
+  </p:clrMapOvr>
+  <mc:AlternateContent xmlns:mc="http://schemas.openxmlformats.org/markup-compatibility/2006">
+    <mc:Choice xmlns:p14="http://schemas.microsoft.com/office/powerpoint/2010/main" Requires="p14">
+      <p:transition spd="slow" p14:dur="1600">
+        <p14:gallery dir="l"/>
+      </p:transition>
+    </mc:Choice>
+    <mc:Fallback>
+      <p:transition spd="slow">
+        <p:fade/>
+      </p:transition>
+    </mc:Fallback>
+  </mc:AlternateContent>
 </p:sld>
 </file>
 
@@ -13072,16 +15319,12 @@
           <a:lstStyle/>
           <a:p>
             <a:r>
-              <a:rPr lang="en-US" sz="5000" cap="none" dirty="0" smtClean="0">
+              <a:rPr lang="en-US" sz="5000" cap="none" dirty="0">
                 <a:latin typeface="Times New Roman" panose="02020603050405020304" pitchFamily="18" charset="0"/>
                 <a:cs typeface="Times New Roman" panose="02020603050405020304" pitchFamily="18" charset="0"/>
               </a:rPr>
               <a:t>Requirements Analysis…..</a:t>
             </a:r>
-            <a:endParaRPr lang="en-US" sz="5000" cap="none" dirty="0">
-              <a:latin typeface="Times New Roman" panose="02020603050405020304" pitchFamily="18" charset="0"/>
-              <a:cs typeface="Times New Roman" panose="02020603050405020304" pitchFamily="18" charset="0"/>
-            </a:endParaRPr>
           </a:p>
         </p:txBody>
       </p:sp>
@@ -13101,13 +15344,231 @@
             <p:ph idx="1"/>
           </p:nvPr>
         </p:nvSpPr>
-        <p:spPr/>
+        <p:spPr>
+          <a:xfrm>
+            <a:off x="2425148" y="2249487"/>
+            <a:ext cx="6639339" cy="3541714"/>
+          </a:xfrm>
+        </p:spPr>
         <p:txBody>
-          <a:bodyPr/>
+          <a:bodyPr>
+            <a:normAutofit fontScale="70000" lnSpcReduction="20000"/>
+          </a:bodyPr>
           <a:lstStyle/>
           <a:p>
-            <a:pPr marL="0" indent="0">
-              <a:buNone/>
+            <a:pPr>
+              <a:buFont typeface="Wingdings" panose="05000000000000000000" pitchFamily="2" charset="2"/>
+              <a:buChar char="ü"/>
+            </a:pPr>
+            <a:r>
+              <a:rPr lang="en-US" dirty="0">
+                <a:latin typeface="Tahoma" panose="020B0604030504040204" pitchFamily="34" charset="0"/>
+                <a:ea typeface="Tahoma" panose="020B0604030504040204" pitchFamily="34" charset="0"/>
+                <a:cs typeface="Tahoma" panose="020B0604030504040204" pitchFamily="34" charset="0"/>
+              </a:rPr>
+              <a:t> </a:t>
+            </a:r>
+            <a:r>
+              <a:rPr lang="en-US" sz="3500" dirty="0">
+                <a:latin typeface="Times New Roman" panose="02020603050405020304" pitchFamily="18" charset="0"/>
+                <a:ea typeface="Tahoma" panose="020B0604030504040204" pitchFamily="34" charset="0"/>
+                <a:cs typeface="Times New Roman" panose="02020603050405020304" pitchFamily="18" charset="0"/>
+              </a:rPr>
+              <a:t>C</a:t>
+            </a:r>
+            <a:r>
+              <a:rPr lang="en-US" sz="2900" dirty="0">
+                <a:latin typeface="Times New Roman" panose="02020603050405020304" pitchFamily="18" charset="0"/>
+                <a:ea typeface="Tahoma" panose="020B0604030504040204" pitchFamily="34" charset="0"/>
+                <a:cs typeface="Times New Roman" panose="02020603050405020304" pitchFamily="18" charset="0"/>
+              </a:rPr>
+              <a:t>reate category of product</a:t>
+            </a:r>
+          </a:p>
+          <a:p>
+            <a:pPr>
+              <a:buFont typeface="Wingdings" panose="05000000000000000000" pitchFamily="2" charset="2"/>
+              <a:buChar char="ü"/>
+            </a:pPr>
+            <a:r>
+              <a:rPr lang="en-US" sz="2900" dirty="0">
+                <a:latin typeface="Times New Roman" panose="02020603050405020304" pitchFamily="18" charset="0"/>
+                <a:ea typeface="Tahoma" panose="020B0604030504040204" pitchFamily="34" charset="0"/>
+                <a:cs typeface="Times New Roman" panose="02020603050405020304" pitchFamily="18" charset="0"/>
+              </a:rPr>
+              <a:t> </a:t>
+            </a:r>
+            <a:r>
+              <a:rPr lang="en-US" sz="3500" dirty="0">
+                <a:latin typeface="Times New Roman" panose="02020603050405020304" pitchFamily="18" charset="0"/>
+                <a:ea typeface="Tahoma" panose="020B0604030504040204" pitchFamily="34" charset="0"/>
+                <a:cs typeface="Times New Roman" panose="02020603050405020304" pitchFamily="18" charset="0"/>
+              </a:rPr>
+              <a:t>S</a:t>
+            </a:r>
+            <a:r>
+              <a:rPr lang="en-US" sz="2900" dirty="0">
+                <a:latin typeface="Times New Roman" panose="02020603050405020304" pitchFamily="18" charset="0"/>
+                <a:ea typeface="Tahoma" panose="020B0604030504040204" pitchFamily="34" charset="0"/>
+                <a:cs typeface="Times New Roman" panose="02020603050405020304" pitchFamily="18" charset="0"/>
+              </a:rPr>
+              <a:t>ave client details</a:t>
+            </a:r>
+          </a:p>
+          <a:p>
+            <a:pPr>
+              <a:buFont typeface="Wingdings" panose="05000000000000000000" pitchFamily="2" charset="2"/>
+              <a:buChar char="ü"/>
+            </a:pPr>
+            <a:r>
+              <a:rPr lang="en-US" sz="2900" dirty="0">
+                <a:latin typeface="Times New Roman" panose="02020603050405020304" pitchFamily="18" charset="0"/>
+                <a:ea typeface="Tahoma" panose="020B0604030504040204" pitchFamily="34" charset="0"/>
+                <a:cs typeface="Times New Roman" panose="02020603050405020304" pitchFamily="18" charset="0"/>
+              </a:rPr>
+              <a:t> </a:t>
+            </a:r>
+            <a:r>
+              <a:rPr lang="en-US" sz="3500" dirty="0">
+                <a:latin typeface="Times New Roman" panose="02020603050405020304" pitchFamily="18" charset="0"/>
+                <a:ea typeface="Tahoma" panose="020B0604030504040204" pitchFamily="34" charset="0"/>
+                <a:cs typeface="Times New Roman" panose="02020603050405020304" pitchFamily="18" charset="0"/>
+              </a:rPr>
+              <a:t>S</a:t>
+            </a:r>
+            <a:r>
+              <a:rPr lang="en-US" sz="2900" dirty="0">
+                <a:latin typeface="Times New Roman" panose="02020603050405020304" pitchFamily="18" charset="0"/>
+                <a:ea typeface="Tahoma" panose="020B0604030504040204" pitchFamily="34" charset="0"/>
+                <a:cs typeface="Times New Roman" panose="02020603050405020304" pitchFamily="18" charset="0"/>
+              </a:rPr>
+              <a:t>tore body measurements of the clients</a:t>
+            </a:r>
+          </a:p>
+          <a:p>
+            <a:pPr>
+              <a:buFont typeface="Wingdings" panose="05000000000000000000" pitchFamily="2" charset="2"/>
+              <a:buChar char="ü"/>
+            </a:pPr>
+            <a:r>
+              <a:rPr lang="en-US" sz="2900" dirty="0">
+                <a:latin typeface="Times New Roman" panose="02020603050405020304" pitchFamily="18" charset="0"/>
+                <a:ea typeface="Tahoma" panose="020B0604030504040204" pitchFamily="34" charset="0"/>
+                <a:cs typeface="Times New Roman" panose="02020603050405020304" pitchFamily="18" charset="0"/>
+              </a:rPr>
+              <a:t> </a:t>
+            </a:r>
+            <a:r>
+              <a:rPr lang="en-US" sz="3500" dirty="0">
+                <a:latin typeface="Times New Roman" panose="02020603050405020304" pitchFamily="18" charset="0"/>
+                <a:ea typeface="Tahoma" panose="020B0604030504040204" pitchFamily="34" charset="0"/>
+                <a:cs typeface="Times New Roman" panose="02020603050405020304" pitchFamily="18" charset="0"/>
+              </a:rPr>
+              <a:t>T</a:t>
+            </a:r>
+            <a:r>
+              <a:rPr lang="en-US" sz="2900" dirty="0">
+                <a:latin typeface="Times New Roman" panose="02020603050405020304" pitchFamily="18" charset="0"/>
+                <a:ea typeface="Tahoma" panose="020B0604030504040204" pitchFamily="34" charset="0"/>
+                <a:cs typeface="Times New Roman" panose="02020603050405020304" pitchFamily="18" charset="0"/>
+              </a:rPr>
+              <a:t>ake order with auto generated invoice</a:t>
+            </a:r>
+          </a:p>
+          <a:p>
+            <a:pPr>
+              <a:buFont typeface="Wingdings" panose="05000000000000000000" pitchFamily="2" charset="2"/>
+              <a:buChar char="ü"/>
+            </a:pPr>
+            <a:r>
+              <a:rPr lang="en-US" sz="2900" dirty="0">
+                <a:latin typeface="Times New Roman" panose="02020603050405020304" pitchFamily="18" charset="0"/>
+                <a:ea typeface="Tahoma" panose="020B0604030504040204" pitchFamily="34" charset="0"/>
+                <a:cs typeface="Times New Roman" panose="02020603050405020304" pitchFamily="18" charset="0"/>
+              </a:rPr>
+              <a:t> </a:t>
+            </a:r>
+            <a:r>
+              <a:rPr lang="en-US" sz="3500" dirty="0">
+                <a:latin typeface="Times New Roman" panose="02020603050405020304" pitchFamily="18" charset="0"/>
+                <a:ea typeface="Tahoma" panose="020B0604030504040204" pitchFamily="34" charset="0"/>
+                <a:cs typeface="Times New Roman" panose="02020603050405020304" pitchFamily="18" charset="0"/>
+              </a:rPr>
+              <a:t>S</a:t>
+            </a:r>
+            <a:r>
+              <a:rPr lang="en-US" sz="2900" dirty="0">
+                <a:latin typeface="Times New Roman" panose="02020603050405020304" pitchFamily="18" charset="0"/>
+                <a:ea typeface="Tahoma" panose="020B0604030504040204" pitchFamily="34" charset="0"/>
+                <a:cs typeface="Times New Roman" panose="02020603050405020304" pitchFamily="18" charset="0"/>
+              </a:rPr>
+              <a:t>earch delivery date</a:t>
+            </a:r>
+          </a:p>
+          <a:p>
+            <a:pPr>
+              <a:buFont typeface="Wingdings" panose="05000000000000000000" pitchFamily="2" charset="2"/>
+              <a:buChar char="ü"/>
+            </a:pPr>
+            <a:r>
+              <a:rPr lang="en-US" sz="2900" dirty="0">
+                <a:latin typeface="Times New Roman" panose="02020603050405020304" pitchFamily="18" charset="0"/>
+                <a:ea typeface="Tahoma" panose="020B0604030504040204" pitchFamily="34" charset="0"/>
+                <a:cs typeface="Times New Roman" panose="02020603050405020304" pitchFamily="18" charset="0"/>
+              </a:rPr>
+              <a:t> </a:t>
+            </a:r>
+            <a:r>
+              <a:rPr lang="en-US" sz="3500" dirty="0">
+                <a:latin typeface="Times New Roman" panose="02020603050405020304" pitchFamily="18" charset="0"/>
+                <a:ea typeface="Tahoma" panose="020B0604030504040204" pitchFamily="34" charset="0"/>
+                <a:cs typeface="Times New Roman" panose="02020603050405020304" pitchFamily="18" charset="0"/>
+              </a:rPr>
+              <a:t>S</a:t>
+            </a:r>
+            <a:r>
+              <a:rPr lang="en-US" sz="2900" dirty="0">
+                <a:latin typeface="Times New Roman" panose="02020603050405020304" pitchFamily="18" charset="0"/>
+                <a:ea typeface="Tahoma" panose="020B0604030504040204" pitchFamily="34" charset="0"/>
+                <a:cs typeface="Times New Roman" panose="02020603050405020304" pitchFamily="18" charset="0"/>
+              </a:rPr>
+              <a:t>earch client details using mobile or email</a:t>
+            </a:r>
+          </a:p>
+          <a:p>
+            <a:pPr>
+              <a:buFont typeface="Wingdings" panose="05000000000000000000" pitchFamily="2" charset="2"/>
+              <a:buChar char="ü"/>
+            </a:pPr>
+            <a:r>
+              <a:rPr lang="en-US" sz="2900" dirty="0">
+                <a:latin typeface="Times New Roman" panose="02020603050405020304" pitchFamily="18" charset="0"/>
+                <a:ea typeface="Tahoma" panose="020B0604030504040204" pitchFamily="34" charset="0"/>
+                <a:cs typeface="Times New Roman" panose="02020603050405020304" pitchFamily="18" charset="0"/>
+              </a:rPr>
+              <a:t> </a:t>
+            </a:r>
+            <a:r>
+              <a:rPr lang="en-US" sz="3500" dirty="0">
+                <a:latin typeface="Times New Roman" panose="02020603050405020304" pitchFamily="18" charset="0"/>
+                <a:ea typeface="Tahoma" panose="020B0604030504040204" pitchFamily="34" charset="0"/>
+                <a:cs typeface="Times New Roman" panose="02020603050405020304" pitchFamily="18" charset="0"/>
+              </a:rPr>
+              <a:t>S</a:t>
+            </a:r>
+            <a:r>
+              <a:rPr lang="en-US" sz="2900" dirty="0">
+                <a:latin typeface="Times New Roman" panose="02020603050405020304" pitchFamily="18" charset="0"/>
+                <a:ea typeface="Tahoma" panose="020B0604030504040204" pitchFamily="34" charset="0"/>
+                <a:cs typeface="Times New Roman" panose="02020603050405020304" pitchFamily="18" charset="0"/>
+              </a:rPr>
+              <a:t>ummary of total order by date</a:t>
+            </a:r>
+          </a:p>
+          <a:p>
+            <a:pPr>
+              <a:buFont typeface="Wingdings" panose="05000000000000000000" pitchFamily="2" charset="2"/>
+              <a:buChar char="Ø"/>
             </a:pPr>
             <a:endParaRPr lang="en-US" dirty="0">
               <a:latin typeface="Tahoma" panose="020B0604030504040204" pitchFamily="34" charset="0"/>
@@ -13127,13 +15588,18 @@
   <p:clrMapOvr>
     <a:masterClrMapping/>
   </p:clrMapOvr>
-  <p:timing>
-    <p:tnLst>
-      <p:par>
-        <p:cTn id="1" dur="indefinite" restart="never" nodeType="tmRoot"/>
-      </p:par>
-    </p:tnLst>
-  </p:timing>
+  <mc:AlternateContent xmlns:mc="http://schemas.openxmlformats.org/markup-compatibility/2006">
+    <mc:Choice xmlns:p14="http://schemas.microsoft.com/office/powerpoint/2010/main" Requires="p14">
+      <p:transition spd="slow" p14:dur="1600">
+        <p14:gallery dir="l"/>
+      </p:transition>
+    </mc:Choice>
+    <mc:Fallback>
+      <p:transition spd="slow">
+        <p:fade/>
+      </p:transition>
+    </mc:Fallback>
+  </mc:AlternateContent>
 </p:sld>
 </file>
 
@@ -13173,7 +15639,7 @@
         <p:spPr>
           <a:xfrm>
             <a:off x="1350419" y="245727"/>
-            <a:ext cx="9905998" cy="1191187"/>
+            <a:ext cx="9905998" cy="1013230"/>
           </a:xfrm>
         </p:spPr>
         <p:txBody>
@@ -13184,16 +15650,12 @@
           <a:p>
             <a:pPr algn="ctr"/>
             <a:r>
-              <a:rPr lang="en-US" sz="5000" cap="none" dirty="0" smtClean="0">
+              <a:rPr lang="en-US" sz="5000" cap="none" dirty="0">
                 <a:latin typeface="Times New Roman" panose="02020603050405020304" pitchFamily="18" charset="0"/>
                 <a:cs typeface="Times New Roman" panose="02020603050405020304" pitchFamily="18" charset="0"/>
               </a:rPr>
-              <a:t>USE CASE </a:t>
-            </a:r>
-            <a:endParaRPr lang="en-US" sz="5000" cap="none" dirty="0">
-              <a:latin typeface="Times New Roman" panose="02020603050405020304" pitchFamily="18" charset="0"/>
-              <a:cs typeface="Times New Roman" panose="02020603050405020304" pitchFamily="18" charset="0"/>
-            </a:endParaRPr>
+              <a:t>USE CASE  DIAGRAM</a:t>
+            </a:r>
           </a:p>
         </p:txBody>
       </p:sp>
@@ -13206,21 +15668,15 @@
           <p:nvPr/>
         </p:nvPicPr>
         <p:blipFill>
-          <a:blip r:embed="rId2">
-            <a:extLst>
-              <a:ext uri="{28A0092B-C50C-407E-A947-70E740481C1C}">
-                <a14:useLocalDpi xmlns:a14="http://schemas.microsoft.com/office/drawing/2010/main" val="0"/>
-              </a:ext>
-            </a:extLst>
-          </a:blip>
+          <a:blip r:embed="rId2"/>
           <a:stretch>
             <a:fillRect/>
           </a:stretch>
         </p:blipFill>
         <p:spPr>
           <a:xfrm>
-            <a:off x="1350419" y="1724297"/>
-            <a:ext cx="9905998" cy="4767943"/>
+            <a:off x="1948071" y="1436915"/>
+            <a:ext cx="7421216" cy="5055326"/>
           </a:xfrm>
           <a:prstGeom prst="rect">
             <a:avLst/>
@@ -13237,13 +15693,18 @@
   <p:clrMapOvr>
     <a:masterClrMapping/>
   </p:clrMapOvr>
-  <p:timing>
-    <p:tnLst>
-      <p:par>
-        <p:cTn id="1" dur="indefinite" restart="never" nodeType="tmRoot"/>
-      </p:par>
-    </p:tnLst>
-  </p:timing>
+  <mc:AlternateContent xmlns:mc="http://schemas.openxmlformats.org/markup-compatibility/2006">
+    <mc:Choice xmlns:p14="http://schemas.microsoft.com/office/powerpoint/2010/main" Requires="p14">
+      <p:transition spd="slow" p14:dur="1600">
+        <p14:gallery dir="l"/>
+      </p:transition>
+    </mc:Choice>
+    <mc:Fallback>
+      <p:transition spd="slow">
+        <p:fade/>
+      </p:transition>
+    </mc:Fallback>
+  </mc:AlternateContent>
 </p:sld>
 </file>
 
@@ -13276,7 +15737,7 @@
         </p:nvSpPr>
         <p:spPr>
           <a:xfrm>
-            <a:off x="1141413" y="248194"/>
+            <a:off x="1143001" y="102420"/>
             <a:ext cx="9905998" cy="953589"/>
           </a:xfrm>
         </p:spPr>
@@ -13288,16 +15749,12 @@
           <a:p>
             <a:pPr algn="ctr"/>
             <a:r>
-              <a:rPr lang="en-US" sz="5000" dirty="0" smtClean="0">
+              <a:rPr lang="en-US" sz="5000" dirty="0">
                 <a:latin typeface="Times New Roman" panose="02020603050405020304" pitchFamily="18" charset="0"/>
                 <a:cs typeface="Times New Roman" panose="02020603050405020304" pitchFamily="18" charset="0"/>
               </a:rPr>
               <a:t>Class Diagram</a:t>
             </a:r>
-            <a:endParaRPr lang="en-US" sz="5000" dirty="0">
-              <a:latin typeface="Times New Roman" panose="02020603050405020304" pitchFamily="18" charset="0"/>
-              <a:cs typeface="Times New Roman" panose="02020603050405020304" pitchFamily="18" charset="0"/>
-            </a:endParaRPr>
           </a:p>
         </p:txBody>
       </p:sp>
@@ -13310,21 +15767,15 @@
           <p:nvPr/>
         </p:nvPicPr>
         <p:blipFill>
-          <a:blip r:embed="rId2">
-            <a:extLst>
-              <a:ext uri="{28A0092B-C50C-407E-A947-70E740481C1C}">
-                <a14:useLocalDpi xmlns:a14="http://schemas.microsoft.com/office/drawing/2010/main" val="0"/>
-              </a:ext>
-            </a:extLst>
-          </a:blip>
+          <a:blip r:embed="rId2"/>
           <a:stretch>
             <a:fillRect/>
           </a:stretch>
         </p:blipFill>
         <p:spPr>
           <a:xfrm>
-            <a:off x="1141413" y="1463040"/>
-            <a:ext cx="9905998" cy="5172075"/>
+            <a:off x="2343642" y="1201784"/>
+            <a:ext cx="7889027" cy="5433332"/>
           </a:xfrm>
           <a:prstGeom prst="rect">
             <a:avLst/>
@@ -13341,6 +15792,510 @@
   <p:clrMapOvr>
     <a:masterClrMapping/>
   </p:clrMapOvr>
+  <mc:AlternateContent xmlns:mc="http://schemas.openxmlformats.org/markup-compatibility/2006">
+    <mc:Choice xmlns:p14="http://schemas.microsoft.com/office/powerpoint/2010/main" Requires="p14">
+      <p:transition spd="slow" p14:dur="1600">
+        <p14:gallery dir="l"/>
+      </p:transition>
+    </mc:Choice>
+    <mc:Fallback>
+      <p:transition spd="slow">
+        <p:fade/>
+      </p:transition>
+    </mc:Fallback>
+  </mc:AlternateContent>
+</p:sld>
+</file>
+
+<file path=ppt/slides/slide6.xml><?xml version="1.0" encoding="utf-8"?>
+<p:sld xmlns:a="http://schemas.openxmlformats.org/drawingml/2006/main" xmlns:r="http://schemas.openxmlformats.org/officeDocument/2006/relationships" xmlns:p="http://schemas.openxmlformats.org/presentationml/2006/main" showMasterSp="0">
+  <p:cSld>
+    <p:bg>
+      <p:bgPr>
+        <a:pattFill prst="pct5">
+          <a:fgClr>
+            <a:schemeClr val="accent1"/>
+          </a:fgClr>
+          <a:bgClr>
+            <a:schemeClr val="bg1"/>
+          </a:bgClr>
+        </a:pattFill>
+        <a:effectLst/>
+      </p:bgPr>
+    </p:bg>
+    <p:spTree>
+      <p:nvGrpSpPr>
+        <p:cNvPr id="1" name=""/>
+        <p:cNvGrpSpPr/>
+        <p:nvPr/>
+      </p:nvGrpSpPr>
+      <p:grpSpPr>
+        <a:xfrm>
+          <a:off x="0" y="0"/>
+          <a:ext cx="0" cy="0"/>
+          <a:chOff x="0" y="0"/>
+          <a:chExt cx="0" cy="0"/>
+        </a:xfrm>
+      </p:grpSpPr>
+      <p:sp>
+        <p:nvSpPr>
+          <p:cNvPr id="2" name="Title 1">
+            <a:extLst>
+              <a:ext uri="{FF2B5EF4-FFF2-40B4-BE49-F238E27FC236}">
+                <a16:creationId xmlns:a16="http://schemas.microsoft.com/office/drawing/2014/main" id="{6306CA3D-081F-43F5-B961-2B08C1AB8FD2}"/>
+              </a:ext>
+            </a:extLst>
+          </p:cNvPr>
+          <p:cNvSpPr>
+            <a:spLocks noGrp="1"/>
+          </p:cNvSpPr>
+          <p:nvPr>
+            <p:ph type="title"/>
+          </p:nvPr>
+        </p:nvSpPr>
+        <p:spPr>
+          <a:xfrm>
+            <a:off x="689317" y="128188"/>
+            <a:ext cx="10556877" cy="938611"/>
+          </a:xfrm>
+        </p:spPr>
+        <p:txBody>
+          <a:bodyPr>
+            <a:normAutofit/>
+          </a:bodyPr>
+          <a:lstStyle/>
+          <a:p>
+            <a:r>
+              <a:rPr lang="en-GB" sz="5000" cap="none" dirty="0">
+                <a:latin typeface="Times New Roman" panose="02020603050405020304" pitchFamily="18" charset="0"/>
+                <a:cs typeface="Times New Roman" panose="02020603050405020304" pitchFamily="18" charset="0"/>
+              </a:rPr>
+              <a:t>Project Description……</a:t>
+            </a:r>
+          </a:p>
+        </p:txBody>
+      </p:sp>
+      <p:pic>
+        <p:nvPicPr>
+          <p:cNvPr id="5" name="Picture 4">
+            <a:extLst>
+              <a:ext uri="{FF2B5EF4-FFF2-40B4-BE49-F238E27FC236}">
+                <a16:creationId xmlns:a16="http://schemas.microsoft.com/office/drawing/2014/main" id="{BA3444E0-470F-4368-BC65-B5864428177E}"/>
+              </a:ext>
+            </a:extLst>
+          </p:cNvPr>
+          <p:cNvPicPr>
+            <a:picLocks noChangeAspect="1"/>
+          </p:cNvPicPr>
+          <p:nvPr/>
+        </p:nvPicPr>
+        <p:blipFill>
+          <a:blip r:embed="rId2"/>
+          <a:stretch>
+            <a:fillRect/>
+          </a:stretch>
+        </p:blipFill>
+        <p:spPr>
+          <a:xfrm>
+            <a:off x="1219200" y="1066799"/>
+            <a:ext cx="10151165" cy="5663013"/>
+          </a:xfrm>
+          <a:prstGeom prst="rect">
+            <a:avLst/>
+          </a:prstGeom>
+        </p:spPr>
+      </p:pic>
+    </p:spTree>
+    <p:extLst>
+      <p:ext uri="{BB962C8B-B14F-4D97-AF65-F5344CB8AC3E}">
+        <p14:creationId xmlns:p14="http://schemas.microsoft.com/office/powerpoint/2010/main" val="3309713917"/>
+      </p:ext>
+    </p:extLst>
+  </p:cSld>
+  <p:clrMapOvr>
+    <a:masterClrMapping/>
+  </p:clrMapOvr>
+  <mc:AlternateContent xmlns:mc="http://schemas.openxmlformats.org/markup-compatibility/2006">
+    <mc:Choice xmlns:p14="http://schemas.microsoft.com/office/powerpoint/2010/main" Requires="p14">
+      <p:transition spd="slow" p14:dur="1600">
+        <p14:gallery dir="l"/>
+      </p:transition>
+    </mc:Choice>
+    <mc:Fallback>
+      <p:transition spd="slow">
+        <p:fade/>
+      </p:transition>
+    </mc:Fallback>
+  </mc:AlternateContent>
+</p:sld>
+</file>
+
+<file path=ppt/slides/slide7.xml><?xml version="1.0" encoding="utf-8"?>
+<p:sld xmlns:a="http://schemas.openxmlformats.org/drawingml/2006/main" xmlns:r="http://schemas.openxmlformats.org/officeDocument/2006/relationships" xmlns:p="http://schemas.openxmlformats.org/presentationml/2006/main" showMasterSp="0">
+  <p:cSld>
+    <p:bg>
+      <p:bgPr>
+        <a:pattFill prst="pct5">
+          <a:fgClr>
+            <a:schemeClr val="accent1"/>
+          </a:fgClr>
+          <a:bgClr>
+            <a:schemeClr val="bg1"/>
+          </a:bgClr>
+        </a:pattFill>
+        <a:effectLst/>
+      </p:bgPr>
+    </p:bg>
+    <p:spTree>
+      <p:nvGrpSpPr>
+        <p:cNvPr id="1" name=""/>
+        <p:cNvGrpSpPr/>
+        <p:nvPr/>
+      </p:nvGrpSpPr>
+      <p:grpSpPr>
+        <a:xfrm>
+          <a:off x="0" y="0"/>
+          <a:ext cx="0" cy="0"/>
+          <a:chOff x="0" y="0"/>
+          <a:chExt cx="0" cy="0"/>
+        </a:xfrm>
+      </p:grpSpPr>
+      <p:sp>
+        <p:nvSpPr>
+          <p:cNvPr id="2" name="Title 1">
+            <a:extLst>
+              <a:ext uri="{FF2B5EF4-FFF2-40B4-BE49-F238E27FC236}">
+                <a16:creationId xmlns:a16="http://schemas.microsoft.com/office/drawing/2014/main" id="{6306CA3D-081F-43F5-B961-2B08C1AB8FD2}"/>
+              </a:ext>
+            </a:extLst>
+          </p:cNvPr>
+          <p:cNvSpPr>
+            <a:spLocks noGrp="1"/>
+          </p:cNvSpPr>
+          <p:nvPr>
+            <p:ph type="title"/>
+          </p:nvPr>
+        </p:nvSpPr>
+        <p:spPr>
+          <a:xfrm>
+            <a:off x="795130" y="128188"/>
+            <a:ext cx="10451064" cy="938611"/>
+          </a:xfrm>
+        </p:spPr>
+        <p:txBody>
+          <a:bodyPr>
+            <a:normAutofit/>
+          </a:bodyPr>
+          <a:lstStyle/>
+          <a:p>
+            <a:r>
+              <a:rPr lang="en-GB" sz="5000" cap="none" dirty="0">
+                <a:latin typeface="Times New Roman" panose="02020603050405020304" pitchFamily="18" charset="0"/>
+                <a:cs typeface="Times New Roman" panose="02020603050405020304" pitchFamily="18" charset="0"/>
+              </a:rPr>
+              <a:t>Project Description……</a:t>
+            </a:r>
+          </a:p>
+        </p:txBody>
+      </p:sp>
+      <p:pic>
+        <p:nvPicPr>
+          <p:cNvPr id="4" name="Picture 3">
+            <a:extLst>
+              <a:ext uri="{FF2B5EF4-FFF2-40B4-BE49-F238E27FC236}">
+                <a16:creationId xmlns:a16="http://schemas.microsoft.com/office/drawing/2014/main" id="{AC3B4EE7-86CF-4B9D-9032-48E47C641F66}"/>
+              </a:ext>
+            </a:extLst>
+          </p:cNvPr>
+          <p:cNvPicPr>
+            <a:picLocks noChangeAspect="1"/>
+          </p:cNvPicPr>
+          <p:nvPr/>
+        </p:nvPicPr>
+        <p:blipFill>
+          <a:blip r:embed="rId2"/>
+          <a:stretch>
+            <a:fillRect/>
+          </a:stretch>
+        </p:blipFill>
+        <p:spPr>
+          <a:xfrm>
+            <a:off x="1232452" y="1066799"/>
+            <a:ext cx="10164418" cy="5602095"/>
+          </a:xfrm>
+          <a:prstGeom prst="rect">
+            <a:avLst/>
+          </a:prstGeom>
+        </p:spPr>
+      </p:pic>
+    </p:spTree>
+    <p:extLst>
+      <p:ext uri="{BB962C8B-B14F-4D97-AF65-F5344CB8AC3E}">
+        <p14:creationId xmlns:p14="http://schemas.microsoft.com/office/powerpoint/2010/main" val="1247445495"/>
+      </p:ext>
+    </p:extLst>
+  </p:cSld>
+  <p:clrMapOvr>
+    <a:masterClrMapping/>
+  </p:clrMapOvr>
+  <mc:AlternateContent xmlns:mc="http://schemas.openxmlformats.org/markup-compatibility/2006">
+    <mc:Choice xmlns:p14="http://schemas.microsoft.com/office/powerpoint/2010/main" Requires="p14">
+      <p:transition spd="slow" p14:dur="1600">
+        <p14:gallery dir="l"/>
+      </p:transition>
+    </mc:Choice>
+    <mc:Fallback>
+      <p:transition spd="slow">
+        <p:fade/>
+      </p:transition>
+    </mc:Fallback>
+  </mc:AlternateContent>
+</p:sld>
+</file>
+
+<file path=ppt/slides/slide8.xml><?xml version="1.0" encoding="utf-8"?>
+<p:sld xmlns:a="http://schemas.openxmlformats.org/drawingml/2006/main" xmlns:r="http://schemas.openxmlformats.org/officeDocument/2006/relationships" xmlns:p="http://schemas.openxmlformats.org/presentationml/2006/main" showMasterSp="0">
+  <p:cSld>
+    <p:bg>
+      <p:bgPr>
+        <a:pattFill prst="pct5">
+          <a:fgClr>
+            <a:schemeClr val="accent1"/>
+          </a:fgClr>
+          <a:bgClr>
+            <a:schemeClr val="bg1"/>
+          </a:bgClr>
+        </a:pattFill>
+        <a:effectLst/>
+      </p:bgPr>
+    </p:bg>
+    <p:spTree>
+      <p:nvGrpSpPr>
+        <p:cNvPr id="1" name=""/>
+        <p:cNvGrpSpPr/>
+        <p:nvPr/>
+      </p:nvGrpSpPr>
+      <p:grpSpPr>
+        <a:xfrm>
+          <a:off x="0" y="0"/>
+          <a:ext cx="0" cy="0"/>
+          <a:chOff x="0" y="0"/>
+          <a:chExt cx="0" cy="0"/>
+        </a:xfrm>
+      </p:grpSpPr>
+      <p:sp>
+        <p:nvSpPr>
+          <p:cNvPr id="2" name="Title 1">
+            <a:extLst>
+              <a:ext uri="{FF2B5EF4-FFF2-40B4-BE49-F238E27FC236}">
+                <a16:creationId xmlns:a16="http://schemas.microsoft.com/office/drawing/2014/main" id="{6306CA3D-081F-43F5-B961-2B08C1AB8FD2}"/>
+              </a:ext>
+            </a:extLst>
+          </p:cNvPr>
+          <p:cNvSpPr>
+            <a:spLocks noGrp="1"/>
+          </p:cNvSpPr>
+          <p:nvPr>
+            <p:ph type="title"/>
+          </p:nvPr>
+        </p:nvSpPr>
+        <p:spPr>
+          <a:xfrm>
+            <a:off x="808383" y="128188"/>
+            <a:ext cx="10437811" cy="938611"/>
+          </a:xfrm>
+        </p:spPr>
+        <p:txBody>
+          <a:bodyPr>
+            <a:normAutofit/>
+          </a:bodyPr>
+          <a:lstStyle/>
+          <a:p>
+            <a:r>
+              <a:rPr lang="en-GB" sz="5000" cap="none" dirty="0">
+                <a:latin typeface="Times New Roman" panose="02020603050405020304" pitchFamily="18" charset="0"/>
+                <a:cs typeface="Times New Roman" panose="02020603050405020304" pitchFamily="18" charset="0"/>
+              </a:rPr>
+              <a:t>Project Description……</a:t>
+            </a:r>
+          </a:p>
+        </p:txBody>
+      </p:sp>
+      <p:pic>
+        <p:nvPicPr>
+          <p:cNvPr id="4" name="Picture 3">
+            <a:extLst>
+              <a:ext uri="{FF2B5EF4-FFF2-40B4-BE49-F238E27FC236}">
+                <a16:creationId xmlns:a16="http://schemas.microsoft.com/office/drawing/2014/main" id="{0878CF78-A3CB-4B05-98E4-4F6D45FDB81E}"/>
+              </a:ext>
+            </a:extLst>
+          </p:cNvPr>
+          <p:cNvPicPr>
+            <a:picLocks noChangeAspect="1"/>
+          </p:cNvPicPr>
+          <p:nvPr/>
+        </p:nvPicPr>
+        <p:blipFill>
+          <a:blip r:embed="rId2"/>
+          <a:stretch>
+            <a:fillRect/>
+          </a:stretch>
+        </p:blipFill>
+        <p:spPr>
+          <a:xfrm>
+            <a:off x="1219200" y="954156"/>
+            <a:ext cx="10164417" cy="5723663"/>
+          </a:xfrm>
+          <a:prstGeom prst="rect">
+            <a:avLst/>
+          </a:prstGeom>
+        </p:spPr>
+      </p:pic>
+    </p:spTree>
+    <p:extLst>
+      <p:ext uri="{BB962C8B-B14F-4D97-AF65-F5344CB8AC3E}">
+        <p14:creationId xmlns:p14="http://schemas.microsoft.com/office/powerpoint/2010/main" val="1692337886"/>
+      </p:ext>
+    </p:extLst>
+  </p:cSld>
+  <p:clrMapOvr>
+    <a:masterClrMapping/>
+  </p:clrMapOvr>
+  <mc:AlternateContent xmlns:mc="http://schemas.openxmlformats.org/markup-compatibility/2006">
+    <mc:Choice xmlns:p14="http://schemas.microsoft.com/office/powerpoint/2010/main" Requires="p14">
+      <p:transition spd="slow" p14:dur="1600">
+        <p14:gallery dir="l"/>
+      </p:transition>
+    </mc:Choice>
+    <mc:Fallback>
+      <p:transition spd="slow">
+        <p:fade/>
+      </p:transition>
+    </mc:Fallback>
+  </mc:AlternateContent>
+</p:sld>
+</file>
+
+<file path=ppt/slides/slide9.xml><?xml version="1.0" encoding="utf-8"?>
+<p:sld xmlns:a="http://schemas.openxmlformats.org/drawingml/2006/main" xmlns:r="http://schemas.openxmlformats.org/officeDocument/2006/relationships" xmlns:p="http://schemas.openxmlformats.org/presentationml/2006/main" showMasterSp="0">
+  <p:cSld>
+    <p:bg>
+      <p:bgPr>
+        <a:pattFill prst="pct5">
+          <a:fgClr>
+            <a:schemeClr val="accent1"/>
+          </a:fgClr>
+          <a:bgClr>
+            <a:schemeClr val="bg1"/>
+          </a:bgClr>
+        </a:pattFill>
+        <a:effectLst/>
+      </p:bgPr>
+    </p:bg>
+    <p:spTree>
+      <p:nvGrpSpPr>
+        <p:cNvPr id="1" name=""/>
+        <p:cNvGrpSpPr/>
+        <p:nvPr/>
+      </p:nvGrpSpPr>
+      <p:grpSpPr>
+        <a:xfrm>
+          <a:off x="0" y="0"/>
+          <a:ext cx="0" cy="0"/>
+          <a:chOff x="0" y="0"/>
+          <a:chExt cx="0" cy="0"/>
+        </a:xfrm>
+      </p:grpSpPr>
+      <p:sp>
+        <p:nvSpPr>
+          <p:cNvPr id="2" name="Title 1">
+            <a:extLst>
+              <a:ext uri="{FF2B5EF4-FFF2-40B4-BE49-F238E27FC236}">
+                <a16:creationId xmlns:a16="http://schemas.microsoft.com/office/drawing/2014/main" id="{6306CA3D-081F-43F5-B961-2B08C1AB8FD2}"/>
+              </a:ext>
+            </a:extLst>
+          </p:cNvPr>
+          <p:cNvSpPr>
+            <a:spLocks noGrp="1"/>
+          </p:cNvSpPr>
+          <p:nvPr>
+            <p:ph type="title"/>
+          </p:nvPr>
+        </p:nvSpPr>
+        <p:spPr>
+          <a:xfrm>
+            <a:off x="795130" y="128188"/>
+            <a:ext cx="10451064" cy="938611"/>
+          </a:xfrm>
+        </p:spPr>
+        <p:txBody>
+          <a:bodyPr>
+            <a:normAutofit/>
+          </a:bodyPr>
+          <a:lstStyle/>
+          <a:p>
+            <a:r>
+              <a:rPr lang="en-GB" sz="5000" cap="none" dirty="0">
+                <a:latin typeface="Times New Roman" panose="02020603050405020304" pitchFamily="18" charset="0"/>
+                <a:cs typeface="Times New Roman" panose="02020603050405020304" pitchFamily="18" charset="0"/>
+              </a:rPr>
+              <a:t>Project Description……</a:t>
+            </a:r>
+          </a:p>
+        </p:txBody>
+      </p:sp>
+      <p:pic>
+        <p:nvPicPr>
+          <p:cNvPr id="4" name="Picture 3">
+            <a:extLst>
+              <a:ext uri="{FF2B5EF4-FFF2-40B4-BE49-F238E27FC236}">
+                <a16:creationId xmlns:a16="http://schemas.microsoft.com/office/drawing/2014/main" id="{84A6FA11-F01F-4D28-A6F3-0CED6A4F6853}"/>
+              </a:ext>
+            </a:extLst>
+          </p:cNvPr>
+          <p:cNvPicPr>
+            <a:picLocks noChangeAspect="1"/>
+          </p:cNvPicPr>
+          <p:nvPr/>
+        </p:nvPicPr>
+        <p:blipFill>
+          <a:blip r:embed="rId2"/>
+          <a:stretch>
+            <a:fillRect/>
+          </a:stretch>
+        </p:blipFill>
+        <p:spPr>
+          <a:xfrm>
+            <a:off x="1219200" y="940904"/>
+            <a:ext cx="10177670" cy="5727990"/>
+          </a:xfrm>
+          <a:prstGeom prst="rect">
+            <a:avLst/>
+          </a:prstGeom>
+        </p:spPr>
+      </p:pic>
+    </p:spTree>
+    <p:extLst>
+      <p:ext uri="{BB962C8B-B14F-4D97-AF65-F5344CB8AC3E}">
+        <p14:creationId xmlns:p14="http://schemas.microsoft.com/office/powerpoint/2010/main" val="2434850908"/>
+      </p:ext>
+    </p:extLst>
+  </p:cSld>
+  <p:clrMapOvr>
+    <a:masterClrMapping/>
+  </p:clrMapOvr>
+  <mc:AlternateContent xmlns:mc="http://schemas.openxmlformats.org/markup-compatibility/2006">
+    <mc:Choice xmlns:p14="http://schemas.microsoft.com/office/powerpoint/2010/main" Requires="p14">
+      <p:transition spd="slow" p14:dur="1600">
+        <p14:gallery dir="l"/>
+      </p:transition>
+    </mc:Choice>
+    <mc:Fallback>
+      <p:transition spd="slow">
+        <p:fade/>
+      </p:transition>
+    </mc:Fallback>
+  </mc:AlternateContent>
 </p:sld>
 </file>
 
